--- a/docs/presentation_slides/RoboWarsPresentation_AlexDinardo.pptx
+++ b/docs/presentation_slides/RoboWarsPresentation_AlexDinardo.pptx
@@ -5,25 +5,27 @@
     <p:sldMasterId id="2147483648" r:id="rId1"/>
   </p:sldMasterIdLst>
   <p:notesMasterIdLst>
-    <p:notesMasterId r:id="rId15"/>
+    <p:notesMasterId r:id="rId17"/>
   </p:notesMasterIdLst>
   <p:handoutMasterIdLst>
-    <p:handoutMasterId r:id="rId16"/>
+    <p:handoutMasterId r:id="rId18"/>
   </p:handoutMasterIdLst>
   <p:sldIdLst>
     <p:sldId id="258" r:id="rId2"/>
     <p:sldId id="272" r:id="rId3"/>
     <p:sldId id="273" r:id="rId4"/>
     <p:sldId id="274" r:id="rId5"/>
-    <p:sldId id="268" r:id="rId6"/>
-    <p:sldId id="269" r:id="rId7"/>
-    <p:sldId id="266" r:id="rId8"/>
-    <p:sldId id="267" r:id="rId9"/>
-    <p:sldId id="264" r:id="rId10"/>
-    <p:sldId id="270" r:id="rId11"/>
-    <p:sldId id="265" r:id="rId12"/>
-    <p:sldId id="271" r:id="rId13"/>
-    <p:sldId id="275" r:id="rId14"/>
+    <p:sldId id="266" r:id="rId6"/>
+    <p:sldId id="276" r:id="rId7"/>
+    <p:sldId id="268" r:id="rId8"/>
+    <p:sldId id="269" r:id="rId9"/>
+    <p:sldId id="267" r:id="rId10"/>
+    <p:sldId id="264" r:id="rId11"/>
+    <p:sldId id="270" r:id="rId12"/>
+    <p:sldId id="265" r:id="rId13"/>
+    <p:sldId id="271" r:id="rId14"/>
+    <p:sldId id="277" r:id="rId15"/>
+    <p:sldId id="275" r:id="rId16"/>
   </p:sldIdLst>
   <p:sldSz cx="9144000" cy="6858000" type="screen4x3"/>
   <p:notesSz cx="6858000" cy="9144000"/>
@@ -368,7 +370,7 @@
             <a:pPr>
               <a:defRPr/>
             </a:pPr>
-            <a:fld id="{CE4CD005-3CF0-45B4-BCC7-A4D2CF64F9B1}" type="slidenum">
+            <a:fld id="{D0B3BCFB-CCA6-4C2D-A9A7-5EACA6688D44}" type="slidenum">
               <a:rPr lang="en-US"/>
               <a:pPr>
                 <a:defRPr/>
@@ -508,7 +510,7 @@
       </p:sp>
       <p:sp>
         <p:nvSpPr>
-          <p:cNvPr id="13316" name="Rectangle 4"/>
+          <p:cNvPr id="14340" name="Rectangle 4"/>
           <p:cNvSpPr>
             <a:spLocks noGrp="1" noRot="1" noChangeAspect="1" noChangeArrowheads="1" noTextEdit="1"/>
           </p:cNvSpPr>
@@ -698,7 +700,7 @@
             <a:pPr>
               <a:defRPr/>
             </a:pPr>
-            <a:fld id="{C3E0352D-7D7D-49F4-A516-9834FB105698}" type="slidenum">
+            <a:fld id="{F0BFB156-8091-4831-ABF0-514A9D5BC13B}" type="slidenum">
               <a:rPr lang="en-US"/>
               <a:pPr>
                 <a:defRPr/>
@@ -939,9 +941,7 @@
             <p:ph type="sldNum" sz="quarter" idx="10"/>
           </p:nvPr>
         </p:nvSpPr>
-        <p:spPr>
-          <a:ln/>
-        </p:spPr>
+        <p:spPr/>
         <p:txBody>
           <a:bodyPr/>
           <a:lstStyle>
@@ -953,7 +953,7 @@
             <a:pPr>
               <a:defRPr/>
             </a:pPr>
-            <a:fld id="{C8696DDA-5CF6-4A7F-9554-9FA50BDF0295}" type="slidenum">
+            <a:fld id="{C7093516-3476-4826-BB14-C0D7E713CA0A}" type="slidenum">
               <a:rPr lang="en-US"/>
               <a:pPr>
                 <a:defRPr/>
@@ -974,9 +974,7 @@
             <p:ph type="sldNum" sz="quarter" idx="11"/>
           </p:nvPr>
         </p:nvSpPr>
-        <p:spPr>
-          <a:ln/>
-        </p:spPr>
+        <p:spPr/>
         <p:txBody>
           <a:bodyPr/>
           <a:lstStyle>
@@ -988,7 +986,7 @@
             <a:pPr>
               <a:defRPr/>
             </a:pPr>
-            <a:fld id="{8D705CDD-FD36-4E87-94CB-C6C1765F1867}" type="slidenum">
+            <a:fld id="{7347272A-4001-449A-BA67-1F9B499A8637}" type="slidenum">
               <a:rPr lang="en-US"/>
               <a:pPr>
                 <a:defRPr/>
@@ -1119,9 +1117,7 @@
             <p:ph type="sldNum" sz="quarter" idx="10"/>
           </p:nvPr>
         </p:nvSpPr>
-        <p:spPr>
-          <a:ln/>
-        </p:spPr>
+        <p:spPr/>
         <p:txBody>
           <a:bodyPr/>
           <a:lstStyle>
@@ -1133,7 +1129,7 @@
             <a:pPr>
               <a:defRPr/>
             </a:pPr>
-            <a:fld id="{378EC53A-6DB5-41D7-9BB9-BC65C11A24E1}" type="slidenum">
+            <a:fld id="{9E0ABF5B-ACBC-4F34-A387-27E3B7873A67}" type="slidenum">
               <a:rPr lang="en-US"/>
               <a:pPr>
                 <a:defRPr/>
@@ -1154,9 +1150,7 @@
             <p:ph type="sldNum" sz="quarter" idx="11"/>
           </p:nvPr>
         </p:nvSpPr>
-        <p:spPr>
-          <a:ln/>
-        </p:spPr>
+        <p:spPr/>
         <p:txBody>
           <a:bodyPr/>
           <a:lstStyle>
@@ -1168,7 +1162,7 @@
             <a:pPr>
               <a:defRPr/>
             </a:pPr>
-            <a:fld id="{48ED5D13-6B8B-418F-937E-369C0ED89507}" type="slidenum">
+            <a:fld id="{B7AD8ACC-C1EC-4E20-8272-B249EC43195B}" type="slidenum">
               <a:rPr lang="en-US"/>
               <a:pPr>
                 <a:defRPr/>
@@ -1353,12 +1347,7 @@
             <p:ph type="sldNum" sz="quarter" idx="10"/>
           </p:nvPr>
         </p:nvSpPr>
-        <p:spPr>
-          <a:xfrm>
-            <a:off x="6553200" y="6477000"/>
-            <a:ext cx="2438400" cy="228600"/>
-          </a:xfrm>
-        </p:spPr>
+        <p:spPr/>
         <p:txBody>
           <a:bodyPr/>
           <a:lstStyle>
@@ -1370,7 +1359,7 @@
             <a:pPr>
               <a:defRPr/>
             </a:pPr>
-            <a:fld id="{263F9C18-B1A7-4F3A-9EEC-50F63E4B0379}" type="slidenum">
+            <a:fld id="{AE5C536A-7770-4A1F-946E-053F34589ED6}" type="slidenum">
               <a:rPr lang="en-US"/>
               <a:pPr>
                 <a:defRPr/>
@@ -1391,12 +1380,7 @@
             <p:ph type="sldNum" sz="quarter" idx="11"/>
           </p:nvPr>
         </p:nvSpPr>
-        <p:spPr>
-          <a:xfrm>
-            <a:off x="6553200" y="6477000"/>
-            <a:ext cx="2438400" cy="228600"/>
-          </a:xfrm>
-        </p:spPr>
+        <p:spPr/>
         <p:txBody>
           <a:bodyPr/>
           <a:lstStyle>
@@ -1408,7 +1392,7 @@
             <a:pPr>
               <a:defRPr/>
             </a:pPr>
-            <a:fld id="{B4379C2B-98F9-4D41-BABB-075F5F6498B6}" type="slidenum">
+            <a:fld id="{120B1174-1C1B-4ED8-9CFD-D699B1ADD5A3}" type="slidenum">
               <a:rPr lang="en-US"/>
               <a:pPr>
                 <a:defRPr/>
@@ -1593,12 +1577,7 @@
             <p:ph type="sldNum" sz="quarter" idx="10"/>
           </p:nvPr>
         </p:nvSpPr>
-        <p:spPr>
-          <a:xfrm>
-            <a:off x="6553200" y="6477000"/>
-            <a:ext cx="2438400" cy="228600"/>
-          </a:xfrm>
-        </p:spPr>
+        <p:spPr/>
         <p:txBody>
           <a:bodyPr/>
           <a:lstStyle>
@@ -1610,7 +1589,7 @@
             <a:pPr>
               <a:defRPr/>
             </a:pPr>
-            <a:fld id="{7177E1A4-B416-46F0-85F3-5517821EF722}" type="slidenum">
+            <a:fld id="{7C9ACC75-6063-46E2-86DA-4D6E5636F9FF}" type="slidenum">
               <a:rPr lang="en-US"/>
               <a:pPr>
                 <a:defRPr/>
@@ -1631,12 +1610,7 @@
             <p:ph type="sldNum" sz="quarter" idx="11"/>
           </p:nvPr>
         </p:nvSpPr>
-        <p:spPr>
-          <a:xfrm>
-            <a:off x="6553200" y="6477000"/>
-            <a:ext cx="2438400" cy="228600"/>
-          </a:xfrm>
-        </p:spPr>
+        <p:spPr/>
         <p:txBody>
           <a:bodyPr/>
           <a:lstStyle>
@@ -1648,7 +1622,7 @@
             <a:pPr>
               <a:defRPr/>
             </a:pPr>
-            <a:fld id="{77A7B9ED-CC9B-4D55-AA41-B0354B1F65A0}" type="slidenum">
+            <a:fld id="{C99B8883-6E3E-4CB7-9C75-1489B9E0108E}" type="slidenum">
               <a:rPr lang="en-US"/>
               <a:pPr>
                 <a:defRPr/>
@@ -1791,9 +1765,7 @@
             <p:ph type="sldNum" sz="quarter" idx="10"/>
           </p:nvPr>
         </p:nvSpPr>
-        <p:spPr>
-          <a:ln/>
-        </p:spPr>
+        <p:spPr/>
         <p:txBody>
           <a:bodyPr/>
           <a:lstStyle>
@@ -1805,7 +1777,7 @@
             <a:pPr>
               <a:defRPr/>
             </a:pPr>
-            <a:fld id="{A8698E1F-E21C-4520-BD7F-67471F9024E2}" type="slidenum">
+            <a:fld id="{AA4E1105-810E-478D-8EA0-E5494CB459F2}" type="slidenum">
               <a:rPr lang="en-US"/>
               <a:pPr>
                 <a:defRPr/>
@@ -1826,9 +1798,7 @@
             <p:ph type="sldNum" sz="quarter" idx="11"/>
           </p:nvPr>
         </p:nvSpPr>
-        <p:spPr>
-          <a:ln/>
-        </p:spPr>
+        <p:spPr/>
         <p:txBody>
           <a:bodyPr/>
           <a:lstStyle>
@@ -1840,7 +1810,7 @@
             <a:pPr>
               <a:defRPr/>
             </a:pPr>
-            <a:fld id="{B8CB592D-5A7D-48A9-AE21-3995AEC21016}" type="slidenum">
+            <a:fld id="{C8AA04BF-F7BC-466A-87AF-21907A449D49}" type="slidenum">
               <a:rPr lang="en-US"/>
               <a:pPr>
                 <a:defRPr/>
@@ -2079,9 +2049,7 @@
             <p:ph type="sldNum" sz="quarter" idx="10"/>
           </p:nvPr>
         </p:nvSpPr>
-        <p:spPr>
-          <a:ln/>
-        </p:spPr>
+        <p:spPr/>
         <p:txBody>
           <a:bodyPr/>
           <a:lstStyle>
@@ -2093,7 +2061,7 @@
             <a:pPr>
               <a:defRPr/>
             </a:pPr>
-            <a:fld id="{3864A93B-46FF-473C-BBF9-29033CA99C97}" type="slidenum">
+            <a:fld id="{DE4BE20F-8C4E-4950-BF66-E902E7151C52}" type="slidenum">
               <a:rPr lang="en-US"/>
               <a:pPr>
                 <a:defRPr/>
@@ -2114,9 +2082,7 @@
             <p:ph type="sldNum" sz="quarter" idx="11"/>
           </p:nvPr>
         </p:nvSpPr>
-        <p:spPr>
-          <a:ln/>
-        </p:spPr>
+        <p:spPr/>
         <p:txBody>
           <a:bodyPr/>
           <a:lstStyle>
@@ -2128,7 +2094,7 @@
             <a:pPr>
               <a:defRPr/>
             </a:pPr>
-            <a:fld id="{2FFD2D4C-2551-4DD8-B32A-73EE9E0B8C8E}" type="slidenum">
+            <a:fld id="{D3B2A9AE-3C86-4759-97D5-C1CB05C1520F}" type="slidenum">
               <a:rPr lang="en-US"/>
               <a:pPr>
                 <a:defRPr/>
@@ -2506,9 +2472,7 @@
             <p:ph type="sldNum" sz="quarter" idx="10"/>
           </p:nvPr>
         </p:nvSpPr>
-        <p:spPr>
-          <a:ln/>
-        </p:spPr>
+        <p:spPr/>
         <p:txBody>
           <a:bodyPr/>
           <a:lstStyle>
@@ -2520,7 +2484,7 @@
             <a:pPr>
               <a:defRPr/>
             </a:pPr>
-            <a:fld id="{762F4682-68A2-4CBD-8D1D-3DACE7962D68}" type="slidenum">
+            <a:fld id="{86F39DC0-0516-4ADF-9F22-809D464BDCA5}" type="slidenum">
               <a:rPr lang="en-US"/>
               <a:pPr>
                 <a:defRPr/>
@@ -2541,9 +2505,7 @@
             <p:ph type="sldNum" sz="quarter" idx="11"/>
           </p:nvPr>
         </p:nvSpPr>
-        <p:spPr>
-          <a:ln/>
-        </p:spPr>
+        <p:spPr/>
         <p:txBody>
           <a:bodyPr/>
           <a:lstStyle>
@@ -2555,7 +2517,7 @@
             <a:pPr>
               <a:defRPr/>
             </a:pPr>
-            <a:fld id="{E9EFD2F4-A3E1-4241-B04A-40B4D28C8CFF}" type="slidenum">
+            <a:fld id="{6A6F4D49-435B-4B75-98B8-55620B0963D5}" type="slidenum">
               <a:rPr lang="en-US"/>
               <a:pPr>
                 <a:defRPr/>
@@ -2624,9 +2586,7 @@
             <p:ph type="sldNum" sz="quarter" idx="10"/>
           </p:nvPr>
         </p:nvSpPr>
-        <p:spPr>
-          <a:ln/>
-        </p:spPr>
+        <p:spPr/>
         <p:txBody>
           <a:bodyPr/>
           <a:lstStyle>
@@ -2638,7 +2598,7 @@
             <a:pPr>
               <a:defRPr/>
             </a:pPr>
-            <a:fld id="{125D4AD1-1A8C-44B4-B1AE-EE0B5697067E}" type="slidenum">
+            <a:fld id="{7A475D4E-3065-44F7-874E-F6DB28A73EC1}" type="slidenum">
               <a:rPr lang="en-US"/>
               <a:pPr>
                 <a:defRPr/>
@@ -2659,9 +2619,7 @@
             <p:ph type="sldNum" sz="quarter" idx="11"/>
           </p:nvPr>
         </p:nvSpPr>
-        <p:spPr>
-          <a:ln/>
-        </p:spPr>
+        <p:spPr/>
         <p:txBody>
           <a:bodyPr/>
           <a:lstStyle>
@@ -2673,7 +2631,7 @@
             <a:pPr>
               <a:defRPr/>
             </a:pPr>
-            <a:fld id="{4840802D-D843-4EDF-ACC9-FB0B53694822}" type="slidenum">
+            <a:fld id="{94928F6A-985E-4168-8216-CE7F8D21A57C}" type="slidenum">
               <a:rPr lang="en-US"/>
               <a:pPr>
                 <a:defRPr/>
@@ -2719,9 +2677,7 @@
             <p:ph type="sldNum" sz="quarter" idx="10"/>
           </p:nvPr>
         </p:nvSpPr>
-        <p:spPr>
-          <a:ln/>
-        </p:spPr>
+        <p:spPr/>
         <p:txBody>
           <a:bodyPr/>
           <a:lstStyle>
@@ -2733,7 +2689,7 @@
             <a:pPr>
               <a:defRPr/>
             </a:pPr>
-            <a:fld id="{D54B8D5E-FA28-4528-AA67-81442E6AADD1}" type="slidenum">
+            <a:fld id="{4733D7D2-D3E7-49CE-941A-121B8D52240B}" type="slidenum">
               <a:rPr lang="en-US"/>
               <a:pPr>
                 <a:defRPr/>
@@ -2754,9 +2710,7 @@
             <p:ph type="sldNum" sz="quarter" idx="11"/>
           </p:nvPr>
         </p:nvSpPr>
-        <p:spPr>
-          <a:ln/>
-        </p:spPr>
+        <p:spPr/>
         <p:txBody>
           <a:bodyPr/>
           <a:lstStyle>
@@ -2768,7 +2722,7 @@
             <a:pPr>
               <a:defRPr/>
             </a:pPr>
-            <a:fld id="{08E35DA2-862F-459E-A89F-898400FE4533}" type="slidenum">
+            <a:fld id="{415C0E3B-F2B6-4B5B-BAA6-9E0E77803EFB}" type="slidenum">
               <a:rPr lang="en-US"/>
               <a:pPr>
                 <a:defRPr/>
@@ -2996,9 +2950,7 @@
             <p:ph type="sldNum" sz="quarter" idx="10"/>
           </p:nvPr>
         </p:nvSpPr>
-        <p:spPr>
-          <a:ln/>
-        </p:spPr>
+        <p:spPr/>
         <p:txBody>
           <a:bodyPr/>
           <a:lstStyle>
@@ -3010,7 +2962,7 @@
             <a:pPr>
               <a:defRPr/>
             </a:pPr>
-            <a:fld id="{6D42AB95-C0D0-4A74-BE4C-ABCB16A4B94C}" type="slidenum">
+            <a:fld id="{FD47082D-752B-426C-B5B4-B08D3810197E}" type="slidenum">
               <a:rPr lang="en-US"/>
               <a:pPr>
                 <a:defRPr/>
@@ -3031,9 +2983,7 @@
             <p:ph type="sldNum" sz="quarter" idx="11"/>
           </p:nvPr>
         </p:nvSpPr>
-        <p:spPr>
-          <a:ln/>
-        </p:spPr>
+        <p:spPr/>
         <p:txBody>
           <a:bodyPr/>
           <a:lstStyle>
@@ -3045,7 +2995,7 @@
             <a:pPr>
               <a:defRPr/>
             </a:pPr>
-            <a:fld id="{8183EE02-BA2A-40B2-9585-8FB80762AF7B}" type="slidenum">
+            <a:fld id="{7015A5C5-2A12-48A7-9CFD-D4E02808495D}" type="slidenum">
               <a:rPr lang="en-US"/>
               <a:pPr>
                 <a:defRPr/>
@@ -3250,9 +3200,7 @@
             <p:ph type="sldNum" sz="quarter" idx="10"/>
           </p:nvPr>
         </p:nvSpPr>
-        <p:spPr>
-          <a:ln/>
-        </p:spPr>
+        <p:spPr/>
         <p:txBody>
           <a:bodyPr/>
           <a:lstStyle>
@@ -3264,7 +3212,7 @@
             <a:pPr>
               <a:defRPr/>
             </a:pPr>
-            <a:fld id="{9441C997-4344-4F74-A945-060C8FF9FD08}" type="slidenum">
+            <a:fld id="{B78023A0-84A9-49F0-BE8C-20C0E35E60CF}" type="slidenum">
               <a:rPr lang="en-US"/>
               <a:pPr>
                 <a:defRPr/>
@@ -3285,9 +3233,7 @@
             <p:ph type="sldNum" sz="quarter" idx="11"/>
           </p:nvPr>
         </p:nvSpPr>
-        <p:spPr>
-          <a:ln/>
-        </p:spPr>
+        <p:spPr/>
         <p:txBody>
           <a:bodyPr/>
           <a:lstStyle>
@@ -3299,7 +3245,7 @@
             <a:pPr>
               <a:defRPr/>
             </a:pPr>
-            <a:fld id="{4F6213A8-D9DC-4ACB-B501-4A996C52561E}" type="slidenum">
+            <a:fld id="{C8046DFA-BD3A-49D3-8B5D-768A4D7B3B05}" type="slidenum">
               <a:rPr lang="en-US"/>
               <a:pPr>
                 <a:defRPr/>
@@ -3420,9 +3366,7 @@
             <p:ph type="sldNum" sz="quarter" idx="10"/>
           </p:nvPr>
         </p:nvSpPr>
-        <p:spPr>
-          <a:ln/>
-        </p:spPr>
+        <p:spPr/>
         <p:txBody>
           <a:bodyPr/>
           <a:lstStyle>
@@ -3434,7 +3378,7 @@
             <a:pPr>
               <a:defRPr/>
             </a:pPr>
-            <a:fld id="{98606A6C-4FA6-4B61-BBFA-EA575A939DFD}" type="slidenum">
+            <a:fld id="{CFBFF56E-52DB-47FF-B270-FAA7E1878619}" type="slidenum">
               <a:rPr lang="en-US"/>
               <a:pPr>
                 <a:defRPr/>
@@ -3455,9 +3399,7 @@
             <p:ph type="sldNum" sz="quarter" idx="11"/>
           </p:nvPr>
         </p:nvSpPr>
-        <p:spPr>
-          <a:ln/>
-        </p:spPr>
+        <p:spPr/>
         <p:txBody>
           <a:bodyPr/>
           <a:lstStyle>
@@ -3469,7 +3411,7 @@
             <a:pPr>
               <a:defRPr/>
             </a:pPr>
-            <a:fld id="{0AC3EE3B-88E7-4CA3-97A4-E6D7A2FB68A8}" type="slidenum">
+            <a:fld id="{264FFBA6-5C5B-4392-A669-10CFC4B45946}" type="slidenum">
               <a:rPr lang="en-US"/>
               <a:pPr>
                 <a:defRPr/>
@@ -3790,7 +3732,7 @@
             <a:pPr>
               <a:defRPr/>
             </a:pPr>
-            <a:fld id="{10049F76-D207-4D2B-AA9E-39F529CE9901}" type="slidenum">
+            <a:fld id="{3AA0ECC0-DD58-4F6A-9018-B62630B0423D}" type="slidenum">
               <a:rPr lang="en-US"/>
               <a:pPr>
                 <a:defRPr/>
@@ -3845,7 +3787,7 @@
             <a:pPr>
               <a:defRPr/>
             </a:pPr>
-            <a:fld id="{9EAA3F99-87B5-40DE-B7E8-DA0A9AC760A4}" type="slidenum">
+            <a:fld id="{17F75431-F629-4E50-AE05-A98CD7E06DED}" type="slidenum">
               <a:rPr lang="en-US"/>
               <a:pPr>
                 <a:defRPr/>
@@ -3858,7 +3800,7 @@
       </p:sp>
       <p:pic>
         <p:nvPicPr>
-          <p:cNvPr id="1032" name="Picture 14" descr="CarletonWide_Tag_K_186"/>
+          <p:cNvPr id="4" name="Picture 14" descr="CarletonWide_Tag_K_186"/>
           <p:cNvPicPr>
             <a:picLocks noChangeAspect="1" noChangeArrowheads="1"/>
           </p:cNvPicPr>
@@ -3892,18 +3834,18 @@
   </p:cSld>
   <p:clrMap bg1="lt1" tx1="dk1" bg2="lt2" tx2="dk2" accent1="accent1" accent2="accent2" accent3="accent3" accent4="accent4" accent5="accent5" accent6="accent6" hlink="hlink" folHlink="folHlink"/>
   <p:sldLayoutIdLst>
-    <p:sldLayoutId id="2147483658" r:id="rId1"/>
-    <p:sldLayoutId id="2147483657" r:id="rId2"/>
-    <p:sldLayoutId id="2147483656" r:id="rId3"/>
-    <p:sldLayoutId id="2147483655" r:id="rId4"/>
-    <p:sldLayoutId id="2147483654" r:id="rId5"/>
-    <p:sldLayoutId id="2147483653" r:id="rId6"/>
-    <p:sldLayoutId id="2147483652" r:id="rId7"/>
-    <p:sldLayoutId id="2147483651" r:id="rId8"/>
-    <p:sldLayoutId id="2147483650" r:id="rId9"/>
-    <p:sldLayoutId id="2147483649" r:id="rId10"/>
-    <p:sldLayoutId id="2147483659" r:id="rId11"/>
-    <p:sldLayoutId id="2147483660" r:id="rId12"/>
+    <p:sldLayoutId id="2147483661" r:id="rId1"/>
+    <p:sldLayoutId id="2147483662" r:id="rId2"/>
+    <p:sldLayoutId id="2147483663" r:id="rId3"/>
+    <p:sldLayoutId id="2147483664" r:id="rId4"/>
+    <p:sldLayoutId id="2147483665" r:id="rId5"/>
+    <p:sldLayoutId id="2147483666" r:id="rId6"/>
+    <p:sldLayoutId id="2147483667" r:id="rId7"/>
+    <p:sldLayoutId id="2147483668" r:id="rId8"/>
+    <p:sldLayoutId id="2147483669" r:id="rId9"/>
+    <p:sldLayoutId id="2147483670" r:id="rId10"/>
+    <p:sldLayoutId id="2147483671" r:id="rId11"/>
+    <p:sldLayoutId id="2147483672" r:id="rId12"/>
   </p:sldLayoutIdLst>
   <p:hf hdr="0" ftr="0" dt="0"/>
   <p:txStyles>
@@ -4341,7 +4283,7 @@
           <a:bodyPr/>
           <a:lstStyle/>
           <a:p>
-            <a:fld id="{92C4998F-4C38-4047-863A-914BEFEF20BD}" type="slidenum">
+            <a:fld id="{E6456843-D061-4CA7-A753-E18045C70C69}" type="slidenum">
               <a:rPr lang="en-US" smtClean="0">
                 <a:latin typeface="Egyptienne F Bold"/>
                 <a:cs typeface="Arial" charset="0"/>
@@ -4402,7 +4344,7 @@
         <p:spPr bwMode="auto">
           <a:xfrm>
             <a:off x="2133600" y="1371600"/>
-            <a:ext cx="2590800" cy="1077913"/>
+            <a:ext cx="2590800" cy="1249363"/>
           </a:xfrm>
           <a:prstGeom prst="rect">
             <a:avLst/>
@@ -4427,15 +4369,24 @@
               </a:spcBef>
             </a:pPr>
             <a:r>
-              <a:rPr lang="en-US" sz="3200">
+              <a:rPr lang="en-US" sz="2800">
                 <a:solidFill>
                   <a:schemeClr val="bg1"/>
                 </a:solidFill>
                 <a:latin typeface="Egyptienne F Black"/>
               </a:rPr>
-              <a:t>RoboWars Overview</a:t>
-            </a:r>
-            <a:endParaRPr lang="en-US" sz="3200">
+              <a:t>RoboWars </a:t>
+            </a:r>
+            <a:r>
+              <a:rPr lang="en-US">
+                <a:solidFill>
+                  <a:schemeClr val="bg1"/>
+                </a:solidFill>
+                <a:latin typeface="Egyptienne F Black"/>
+              </a:rPr>
+              <a:t>Virtual Elements and Testing</a:t>
+            </a:r>
+            <a:endParaRPr lang="en-US">
               <a:solidFill>
                 <a:schemeClr val="bg1"/>
               </a:solidFill>
@@ -4485,7 +4436,7 @@
       </p:sp>
       <p:sp>
         <p:nvSpPr>
-          <p:cNvPr id="11273" name="Text Box 9"/>
+          <p:cNvPr id="16389" name="Text Box 9"/>
           <p:cNvSpPr txBox="1">
             <a:spLocks noChangeArrowheads="1"/>
           </p:cNvSpPr>
@@ -4506,7 +4457,6 @@
             <a:headEnd/>
             <a:tailEnd/>
           </a:ln>
-          <a:effectLst/>
         </p:spPr>
         <p:txBody>
           <a:bodyPr>
@@ -4633,7 +4583,7 @@
       </p:sp>
       <p:sp>
         <p:nvSpPr>
-          <p:cNvPr id="11278" name="Rectangle 14"/>
+          <p:cNvPr id="16392" name="Rectangle 14"/>
           <p:cNvSpPr>
             <a:spLocks noChangeArrowheads="1"/>
           </p:cNvSpPr>
@@ -4654,7 +4604,6 @@
             <a:headEnd/>
             <a:tailEnd/>
           </a:ln>
-          <a:effectLst/>
         </p:spPr>
         <p:txBody>
           <a:bodyPr lIns="0" tIns="0" rIns="0" bIns="0"/>
@@ -4754,15 +4703,20 @@
       </p:grpSpPr>
       <p:sp>
         <p:nvSpPr>
-          <p:cNvPr id="44034" name="Rectangle 2"/>
+          <p:cNvPr id="24577" name="Rectangle 2"/>
           <p:cNvSpPr>
             <a:spLocks noGrp="1" noChangeArrowheads="1"/>
           </p:cNvSpPr>
           <p:nvPr>
-            <p:ph type="title"/>
-          </p:nvPr>
-        </p:nvSpPr>
-        <p:spPr/>
+            <p:ph type="title" idx="4294967295"/>
+          </p:nvPr>
+        </p:nvSpPr>
+        <p:spPr>
+          <a:xfrm>
+            <a:off x="2286000" y="1143000"/>
+            <a:ext cx="6858000" cy="914400"/>
+          </a:xfrm>
+        </p:spPr>
         <p:txBody>
           <a:bodyPr/>
           <a:lstStyle/>
@@ -4774,59 +4728,38 @@
           </a:p>
         </p:txBody>
       </p:sp>
-      <p:sp>
-        <p:nvSpPr>
-          <p:cNvPr id="44035" name="Rectangle 3"/>
-          <p:cNvSpPr>
-            <a:spLocks noGrp="1" noChangeArrowheads="1"/>
-          </p:cNvSpPr>
-          <p:nvPr>
-            <p:ph type="body" idx="1"/>
-          </p:nvPr>
-        </p:nvSpPr>
-        <p:spPr/>
-        <p:txBody>
-          <a:bodyPr/>
-          <a:lstStyle/>
-          <a:p>
-            <a:r>
-              <a:rPr lang="en-CA" smtClean="0"/>
-              <a:t>The model stub</a:t>
-            </a:r>
-          </a:p>
-          <a:p>
-            <a:pPr lvl="1"/>
-            <a:r>
-              <a:rPr lang="en-CA" smtClean="0"/>
-              <a:t>Only one robot</a:t>
-            </a:r>
-          </a:p>
-          <a:p>
-            <a:pPr lvl="1"/>
-            <a:r>
-              <a:rPr lang="en-CA" smtClean="0"/>
-              <a:t>No virtual entities</a:t>
-            </a:r>
-          </a:p>
-          <a:p>
-            <a:pPr lvl="1"/>
-            <a:r>
-              <a:rPr lang="en-CA" smtClean="0"/>
-              <a:t>No command or control restrictions</a:t>
-            </a:r>
-          </a:p>
-          <a:p>
-            <a:pPr lvl="1"/>
-            <a:endParaRPr lang="en-CA" smtClean="0"/>
-          </a:p>
-          <a:p>
-            <a:r>
-              <a:rPr lang="en-CA" smtClean="0"/>
-              <a:t>Meant for easily testing the communication between the client and robot without worrying about broken game logic.</a:t>
-            </a:r>
-          </a:p>
-        </p:txBody>
-      </p:sp>
+      <p:pic>
+        <p:nvPicPr>
+          <p:cNvPr id="24578" name="Picture 4" descr="slidesPic2"/>
+          <p:cNvPicPr>
+            <a:picLocks noChangeAspect="1" noChangeArrowheads="1"/>
+          </p:cNvPicPr>
+          <p:nvPr/>
+        </p:nvPicPr>
+        <p:blipFill>
+          <a:blip r:embed="rId2"/>
+          <a:srcRect/>
+          <a:stretch>
+            <a:fillRect/>
+          </a:stretch>
+        </p:blipFill>
+        <p:spPr bwMode="auto">
+          <a:xfrm>
+            <a:off x="2209800" y="1905000"/>
+            <a:ext cx="6307138" cy="3514725"/>
+          </a:xfrm>
+          <a:prstGeom prst="rect">
+            <a:avLst/>
+          </a:prstGeom>
+          <a:noFill/>
+          <a:ln w="9525">
+            <a:noFill/>
+            <a:miter lim="800000"/>
+            <a:headEnd/>
+            <a:tailEnd/>
+          </a:ln>
+        </p:spPr>
+      </p:pic>
     </p:spTree>
   </p:cSld>
   <p:clrMapOvr>
@@ -4854,20 +4787,15 @@
       </p:grpSpPr>
       <p:sp>
         <p:nvSpPr>
-          <p:cNvPr id="37892" name="Rectangle 4"/>
+          <p:cNvPr id="25601" name="Rectangle 2"/>
           <p:cNvSpPr>
             <a:spLocks noGrp="1" noChangeArrowheads="1"/>
           </p:cNvSpPr>
           <p:nvPr>
-            <p:ph type="title" idx="4294967295"/>
-          </p:nvPr>
-        </p:nvSpPr>
-        <p:spPr>
-          <a:xfrm>
-            <a:off x="2286000" y="1143000"/>
-            <a:ext cx="6858000" cy="914400"/>
-          </a:xfrm>
-        </p:spPr>
+            <p:ph type="title"/>
+          </p:nvPr>
+        </p:nvSpPr>
+        <p:spPr/>
         <p:txBody>
           <a:bodyPr/>
           <a:lstStyle/>
@@ -4879,32 +4807,59 @@
           </a:p>
         </p:txBody>
       </p:sp>
-      <p:pic>
-        <p:nvPicPr>
-          <p:cNvPr id="37894" name="Picture 6" descr="slidesPic3"/>
-          <p:cNvPicPr>
-            <a:picLocks noChangeAspect="1" noChangeArrowheads="1"/>
-          </p:cNvPicPr>
-          <p:nvPr/>
-        </p:nvPicPr>
-        <p:blipFill>
-          <a:blip r:embed="rId2"/>
-          <a:srcRect/>
-          <a:stretch>
-            <a:fillRect/>
-          </a:stretch>
-        </p:blipFill>
-        <p:spPr bwMode="auto">
-          <a:xfrm>
-            <a:off x="1905000" y="1600200"/>
-            <a:ext cx="7010400" cy="3906838"/>
-          </a:xfrm>
-          <a:prstGeom prst="rect">
-            <a:avLst/>
-          </a:prstGeom>
-          <a:noFill/>
-        </p:spPr>
-      </p:pic>
+      <p:sp>
+        <p:nvSpPr>
+          <p:cNvPr id="25602" name="Rectangle 3"/>
+          <p:cNvSpPr>
+            <a:spLocks noGrp="1" noChangeArrowheads="1"/>
+          </p:cNvSpPr>
+          <p:nvPr>
+            <p:ph type="body" idx="1"/>
+          </p:nvPr>
+        </p:nvSpPr>
+        <p:spPr/>
+        <p:txBody>
+          <a:bodyPr/>
+          <a:lstStyle/>
+          <a:p>
+            <a:r>
+              <a:rPr lang="en-CA" smtClean="0"/>
+              <a:t>The model stub</a:t>
+            </a:r>
+          </a:p>
+          <a:p>
+            <a:pPr lvl="1"/>
+            <a:r>
+              <a:rPr lang="en-CA" smtClean="0"/>
+              <a:t>Only one robot</a:t>
+            </a:r>
+          </a:p>
+          <a:p>
+            <a:pPr lvl="1"/>
+            <a:r>
+              <a:rPr lang="en-CA" smtClean="0"/>
+              <a:t>No virtual entities</a:t>
+            </a:r>
+          </a:p>
+          <a:p>
+            <a:pPr lvl="1"/>
+            <a:r>
+              <a:rPr lang="en-CA" smtClean="0"/>
+              <a:t>No command or control restrictions</a:t>
+            </a:r>
+          </a:p>
+          <a:p>
+            <a:pPr lvl="1"/>
+            <a:endParaRPr lang="en-CA" smtClean="0"/>
+          </a:p>
+          <a:p>
+            <a:r>
+              <a:rPr lang="en-CA" smtClean="0"/>
+              <a:t>Meant for easily testing the communication between the client and robot without worrying about broken game logic.</a:t>
+            </a:r>
+          </a:p>
+        </p:txBody>
+      </p:sp>
     </p:spTree>
   </p:cSld>
   <p:clrMapOvr>
@@ -4932,15 +4887,20 @@
       </p:grpSpPr>
       <p:sp>
         <p:nvSpPr>
-          <p:cNvPr id="45058" name="Rectangle 2"/>
+          <p:cNvPr id="26625" name="Rectangle 4"/>
           <p:cNvSpPr>
             <a:spLocks noGrp="1" noChangeArrowheads="1"/>
           </p:cNvSpPr>
           <p:nvPr>
-            <p:ph type="title"/>
-          </p:nvPr>
-        </p:nvSpPr>
-        <p:spPr/>
+            <p:ph type="title" idx="4294967295"/>
+          </p:nvPr>
+        </p:nvSpPr>
+        <p:spPr>
+          <a:xfrm>
+            <a:off x="2286000" y="1143000"/>
+            <a:ext cx="6858000" cy="914400"/>
+          </a:xfrm>
+        </p:spPr>
         <p:txBody>
           <a:bodyPr/>
           <a:lstStyle/>
@@ -4952,34 +4912,38 @@
           </a:p>
         </p:txBody>
       </p:sp>
-      <p:sp>
-        <p:nvSpPr>
-          <p:cNvPr id="45059" name="Rectangle 3"/>
-          <p:cNvSpPr>
-            <a:spLocks noGrp="1" noChangeArrowheads="1"/>
-          </p:cNvSpPr>
-          <p:nvPr>
-            <p:ph type="body" idx="1"/>
-          </p:nvPr>
-        </p:nvSpPr>
-        <p:spPr/>
-        <p:txBody>
-          <a:bodyPr/>
-          <a:lstStyle/>
-          <a:p>
-            <a:r>
-              <a:rPr lang="en-CA" smtClean="0"/>
-              <a:t>For testing the outlying modules, stubbing the controller simply involves injecting the set of signals that the given module expects (and some it doesn’t expect).</a:t>
-            </a:r>
-          </a:p>
-          <a:p>
-            <a:r>
-              <a:rPr lang="en-CA" smtClean="0"/>
-              <a:t>Unit testing should cover all methods that don’t rely on external signals.</a:t>
-            </a:r>
-          </a:p>
-        </p:txBody>
-      </p:sp>
+      <p:pic>
+        <p:nvPicPr>
+          <p:cNvPr id="26626" name="Picture 6" descr="slidesPic3"/>
+          <p:cNvPicPr>
+            <a:picLocks noChangeAspect="1" noChangeArrowheads="1"/>
+          </p:cNvPicPr>
+          <p:nvPr/>
+        </p:nvPicPr>
+        <p:blipFill>
+          <a:blip r:embed="rId2"/>
+          <a:srcRect/>
+          <a:stretch>
+            <a:fillRect/>
+          </a:stretch>
+        </p:blipFill>
+        <p:spPr bwMode="auto">
+          <a:xfrm>
+            <a:off x="1905000" y="1600200"/>
+            <a:ext cx="7010400" cy="3906838"/>
+          </a:xfrm>
+          <a:prstGeom prst="rect">
+            <a:avLst/>
+          </a:prstGeom>
+          <a:noFill/>
+          <a:ln w="9525">
+            <a:noFill/>
+            <a:miter lim="800000"/>
+            <a:headEnd/>
+            <a:tailEnd/>
+          </a:ln>
+        </p:spPr>
+      </p:pic>
     </p:spTree>
   </p:cSld>
   <p:clrMapOvr>
@@ -5007,7 +4971,7 @@
       </p:grpSpPr>
       <p:sp>
         <p:nvSpPr>
-          <p:cNvPr id="53250" name="Rectangle 2"/>
+          <p:cNvPr id="27649" name="Rectangle 2"/>
           <p:cNvSpPr>
             <a:spLocks noGrp="1" noChangeArrowheads="1"/>
           </p:cNvSpPr>
@@ -5022,6 +4986,171 @@
           <a:p>
             <a:r>
               <a:rPr lang="en-CA" smtClean="0"/>
+              <a:t>Stubbing of System Modules</a:t>
+            </a:r>
+          </a:p>
+        </p:txBody>
+      </p:sp>
+      <p:sp>
+        <p:nvSpPr>
+          <p:cNvPr id="27650" name="Rectangle 3"/>
+          <p:cNvSpPr>
+            <a:spLocks noGrp="1" noChangeArrowheads="1"/>
+          </p:cNvSpPr>
+          <p:nvPr>
+            <p:ph type="body" idx="1"/>
+          </p:nvPr>
+        </p:nvSpPr>
+        <p:spPr/>
+        <p:txBody>
+          <a:bodyPr/>
+          <a:lstStyle/>
+          <a:p>
+            <a:r>
+              <a:rPr lang="en-CA" smtClean="0"/>
+              <a:t>For testing the outlying modules, stubbing the controller simply involves injecting the set of signals that the given module expects (and some it doesn’t expect).</a:t>
+            </a:r>
+          </a:p>
+          <a:p>
+            <a:r>
+              <a:rPr lang="en-CA" smtClean="0"/>
+              <a:t>Unit testing should cover all methods that don’t rely on external signals.</a:t>
+            </a:r>
+          </a:p>
+        </p:txBody>
+      </p:sp>
+    </p:spTree>
+  </p:cSld>
+  <p:clrMapOvr>
+    <a:masterClrMapping/>
+  </p:clrMapOvr>
+</p:sld>
+</file>
+
+<file path=ppt/slides/slide14.xml><?xml version="1.0" encoding="utf-8"?>
+<p:sld xmlns:a="http://schemas.openxmlformats.org/drawingml/2006/main" xmlns:r="http://schemas.openxmlformats.org/officeDocument/2006/relationships" xmlns:p="http://schemas.openxmlformats.org/presentationml/2006/main">
+  <p:cSld>
+    <p:spTree>
+      <p:nvGrpSpPr>
+        <p:cNvPr id="1" name=""/>
+        <p:cNvGrpSpPr/>
+        <p:nvPr/>
+      </p:nvGrpSpPr>
+      <p:grpSpPr>
+        <a:xfrm>
+          <a:off x="0" y="0"/>
+          <a:ext cx="0" cy="0"/>
+          <a:chOff x="0" y="0"/>
+          <a:chExt cx="0" cy="0"/>
+        </a:xfrm>
+      </p:grpSpPr>
+      <p:sp>
+        <p:nvSpPr>
+          <p:cNvPr id="43010" name="Rectangle 2"/>
+          <p:cNvSpPr>
+            <a:spLocks noGrp="1" noChangeArrowheads="1"/>
+          </p:cNvSpPr>
+          <p:nvPr>
+            <p:ph type="title" idx="4294967295"/>
+          </p:nvPr>
+        </p:nvSpPr>
+        <p:spPr/>
+        <p:txBody>
+          <a:bodyPr/>
+          <a:lstStyle/>
+          <a:p>
+            <a:r>
+              <a:rPr lang="en-CA" smtClean="0"/>
+              <a:t>Non-Functional Testing</a:t>
+            </a:r>
+          </a:p>
+        </p:txBody>
+      </p:sp>
+      <p:sp>
+        <p:nvSpPr>
+          <p:cNvPr id="43011" name="Rectangle 3"/>
+          <p:cNvSpPr>
+            <a:spLocks noGrp="1" noChangeArrowheads="1"/>
+          </p:cNvSpPr>
+          <p:nvPr>
+            <p:ph type="body" idx="4294967295"/>
+          </p:nvPr>
+        </p:nvSpPr>
+        <p:spPr/>
+        <p:txBody>
+          <a:bodyPr/>
+          <a:lstStyle/>
+          <a:p>
+            <a:r>
+              <a:rPr lang="en-CA" smtClean="0"/>
+              <a:t>Other things to consider when testing system wide:</a:t>
+            </a:r>
+          </a:p>
+          <a:p>
+            <a:pPr lvl="1"/>
+            <a:r>
+              <a:rPr lang="en-CA" smtClean="0"/>
+              <a:t>Network Latency</a:t>
+            </a:r>
+          </a:p>
+          <a:p>
+            <a:pPr lvl="1"/>
+            <a:r>
+              <a:rPr lang="en-CA" smtClean="0"/>
+              <a:t>Network Bandtwidth</a:t>
+            </a:r>
+          </a:p>
+          <a:p>
+            <a:pPr lvl="1"/>
+            <a:r>
+              <a:rPr lang="en-CA" smtClean="0"/>
+              <a:t>Performance Issues</a:t>
+            </a:r>
+          </a:p>
+        </p:txBody>
+      </p:sp>
+    </p:spTree>
+  </p:cSld>
+  <p:clrMapOvr>
+    <a:masterClrMapping/>
+  </p:clrMapOvr>
+</p:sld>
+</file>
+
+<file path=ppt/slides/slide15.xml><?xml version="1.0" encoding="utf-8"?>
+<p:sld xmlns:a="http://schemas.openxmlformats.org/drawingml/2006/main" xmlns:r="http://schemas.openxmlformats.org/officeDocument/2006/relationships" xmlns:p="http://schemas.openxmlformats.org/presentationml/2006/main">
+  <p:cSld>
+    <p:spTree>
+      <p:nvGrpSpPr>
+        <p:cNvPr id="1" name=""/>
+        <p:cNvGrpSpPr/>
+        <p:nvPr/>
+      </p:nvGrpSpPr>
+      <p:grpSpPr>
+        <a:xfrm>
+          <a:off x="0" y="0"/>
+          <a:ext cx="0" cy="0"/>
+          <a:chOff x="0" y="0"/>
+          <a:chExt cx="0" cy="0"/>
+        </a:xfrm>
+      </p:grpSpPr>
+      <p:sp>
+        <p:nvSpPr>
+          <p:cNvPr id="28673" name="Rectangle 2"/>
+          <p:cNvSpPr>
+            <a:spLocks noGrp="1" noChangeArrowheads="1"/>
+          </p:cNvSpPr>
+          <p:nvPr>
+            <p:ph type="title"/>
+          </p:nvPr>
+        </p:nvSpPr>
+        <p:spPr/>
+        <p:txBody>
+          <a:bodyPr/>
+          <a:lstStyle/>
+          <a:p>
+            <a:r>
+              <a:rPr lang="en-CA" smtClean="0"/>
               <a:t>References</a:t>
             </a:r>
           </a:p>
@@ -5029,7 +5158,7 @@
       </p:sp>
       <p:sp>
         <p:nvSpPr>
-          <p:cNvPr id="53251" name="Rectangle 3"/>
+          <p:cNvPr id="28674" name="Rectangle 3"/>
           <p:cNvSpPr>
             <a:spLocks noGrp="1" noChangeArrowheads="1"/>
           </p:cNvSpPr>
@@ -5088,7 +5217,7 @@
       </p:grpSpPr>
       <p:sp>
         <p:nvSpPr>
-          <p:cNvPr id="46082" name="Rectangle 2"/>
+          <p:cNvPr id="17409" name="Rectangle 2"/>
           <p:cNvSpPr>
             <a:spLocks noGrp="1" noChangeArrowheads="1"/>
           </p:cNvSpPr>
@@ -5110,7 +5239,7 @@
       </p:sp>
       <p:sp>
         <p:nvSpPr>
-          <p:cNvPr id="46084" name="Rectangle 4"/>
+          <p:cNvPr id="17410" name="Rectangle 4"/>
           <p:cNvSpPr>
             <a:spLocks noGrp="1" noChangeArrowheads="1"/>
           </p:cNvSpPr>
@@ -5138,7 +5267,7 @@
       </p:sp>
       <p:pic>
         <p:nvPicPr>
-          <p:cNvPr id="46086" name="Picture 6" descr="augmented_reality"/>
+          <p:cNvPr id="17411" name="Picture 6" descr="augmented_reality"/>
           <p:cNvPicPr>
             <a:picLocks noChangeAspect="1" noChangeArrowheads="1"/>
           </p:cNvPicPr>
@@ -5187,7 +5316,7 @@
       </p:grpSpPr>
       <p:sp>
         <p:nvSpPr>
-          <p:cNvPr id="48130" name="Rectangle 2"/>
+          <p:cNvPr id="18433" name="Rectangle 2"/>
           <p:cNvSpPr>
             <a:spLocks noGrp="1" noChangeArrowheads="1"/>
           </p:cNvSpPr>
@@ -5209,7 +5338,7 @@
       </p:sp>
       <p:sp>
         <p:nvSpPr>
-          <p:cNvPr id="48135" name="Rectangle 7"/>
+          <p:cNvPr id="18434" name="Rectangle 7"/>
           <p:cNvSpPr>
             <a:spLocks noGrp="1" noChangeArrowheads="1"/>
           </p:cNvSpPr>
@@ -5237,7 +5366,7 @@
       </p:sp>
       <p:pic>
         <p:nvPicPr>
-          <p:cNvPr id="48136" name="Picture 8" descr="future_search7-2"/>
+          <p:cNvPr id="18435" name="Picture 8" descr="future_search7-2"/>
           <p:cNvPicPr>
             <a:picLocks noChangeAspect="1" noChangeArrowheads="1"/>
           </p:cNvPicPr>
@@ -5269,7 +5398,7 @@
       </p:pic>
       <p:pic>
         <p:nvPicPr>
-          <p:cNvPr id="48137" name="Picture 9" descr="other_purposes-1"/>
+          <p:cNvPr id="18436" name="Picture 9" descr="other_purposes-1"/>
           <p:cNvPicPr>
             <a:picLocks noChangeAspect="1" noChangeArrowheads="1"/>
           </p:cNvPicPr>
@@ -5291,6 +5420,12 @@
             <a:avLst/>
           </a:prstGeom>
           <a:noFill/>
+          <a:ln w="9525">
+            <a:noFill/>
+            <a:miter lim="800000"/>
+            <a:headEnd/>
+            <a:tailEnd/>
+          </a:ln>
         </p:spPr>
       </p:pic>
     </p:spTree>
@@ -5320,7 +5455,7 @@
       </p:grpSpPr>
       <p:sp>
         <p:nvSpPr>
-          <p:cNvPr id="51204" name="Rectangle 4"/>
+          <p:cNvPr id="19457" name="Rectangle 4"/>
           <p:cNvSpPr>
             <a:spLocks noGrp="1" noChangeArrowheads="1"/>
           </p:cNvSpPr>
@@ -5335,14 +5470,14 @@
           <a:p>
             <a:r>
               <a:rPr lang="en-CA" smtClean="0"/>
-              <a:t>Augmented reality</a:t>
-            </a:r>
-          </a:p>
-        </p:txBody>
-      </p:sp>
-      <p:sp>
-        <p:nvSpPr>
-          <p:cNvPr id="51205" name="Rectangle 5"/>
+              <a:t>Augmented Reality</a:t>
+            </a:r>
+          </a:p>
+        </p:txBody>
+      </p:sp>
+      <p:sp>
+        <p:nvSpPr>
+          <p:cNvPr id="19458" name="Rectangle 5"/>
           <p:cNvSpPr>
             <a:spLocks noGrp="1" noChangeArrowheads="1"/>
           </p:cNvSpPr>
@@ -5357,14 +5492,14 @@
           <a:p>
             <a:r>
               <a:rPr lang="en-CA" sz="2100" smtClean="0"/>
-              <a:t>Actual example in today’s technology: WordLens, an app for IPhone.</a:t>
+              <a:t>Actual example in today’s technology: WordLens, a real time translation app for IPhone.</a:t>
             </a:r>
           </a:p>
         </p:txBody>
       </p:sp>
       <p:pic>
         <p:nvPicPr>
-          <p:cNvPr id="51210" name="Picture 10" descr="quest-visual-word-lens-1"/>
+          <p:cNvPr id="19459" name="Picture 10" descr="quest-visual-word-lens-1"/>
           <p:cNvPicPr>
             <a:picLocks noChangeAspect="1" noChangeArrowheads="1"/>
           </p:cNvPicPr>
@@ -5384,8 +5519,6 @@
             <a:off x="2286000" y="2971800"/>
             <a:ext cx="5935663" cy="3657600"/>
           </a:xfrm>
-          <a:noFill/>
-          <a:ln/>
         </p:spPr>
       </p:pic>
     </p:spTree>
@@ -5415,60 +5548,63 @@
       </p:grpSpPr>
       <p:sp>
         <p:nvSpPr>
-          <p:cNvPr id="41986" name="Rectangle 2"/>
+          <p:cNvPr id="22529" name="Rectangle 2"/>
           <p:cNvSpPr>
             <a:spLocks noGrp="1" noChangeArrowheads="1"/>
           </p:cNvSpPr>
           <p:nvPr>
-            <p:ph type="title"/>
-          </p:nvPr>
-        </p:nvSpPr>
-        <p:spPr/>
+            <p:ph type="title" idx="4294967295"/>
+          </p:nvPr>
+        </p:nvSpPr>
+        <p:spPr>
+          <a:xfrm>
+            <a:off x="2286000" y="1143000"/>
+            <a:ext cx="6858000" cy="914400"/>
+          </a:xfrm>
+        </p:spPr>
         <p:txBody>
           <a:bodyPr/>
           <a:lstStyle/>
           <a:p>
             <a:r>
               <a:rPr lang="en-CA" smtClean="0"/>
-              <a:t>The Server Model</a:t>
-            </a:r>
-          </a:p>
-        </p:txBody>
-      </p:sp>
-      <p:sp>
-        <p:nvSpPr>
-          <p:cNvPr id="41987" name="Rectangle 3"/>
-          <p:cNvSpPr>
-            <a:spLocks noGrp="1" noChangeArrowheads="1"/>
-          </p:cNvSpPr>
-          <p:nvPr>
-            <p:ph type="body" idx="1"/>
-          </p:nvPr>
-        </p:nvSpPr>
-        <p:spPr/>
-        <p:txBody>
-          <a:bodyPr/>
-          <a:lstStyle/>
-          <a:p>
-            <a:r>
-              <a:rPr lang="en-CA" smtClean="0"/>
-              <a:t>Stores the logical representation of the robots and their position and heading, and the game state.</a:t>
-            </a:r>
-          </a:p>
-          <a:p>
-            <a:r>
-              <a:rPr lang="en-CA" smtClean="0"/>
-              <a:t>Uses the representation of the robots to interact with the virtual elements of the game.</a:t>
-            </a:r>
-          </a:p>
-          <a:p>
-            <a:r>
-              <a:rPr lang="en-CA" smtClean="0"/>
-              <a:t>Accepts incoming position updates and robot commands from the controller.</a:t>
-            </a:r>
-          </a:p>
-        </p:txBody>
-      </p:sp>
+              <a:t>Structure of System – How It Works</a:t>
+            </a:r>
+          </a:p>
+        </p:txBody>
+      </p:sp>
+      <p:pic>
+        <p:nvPicPr>
+          <p:cNvPr id="22530" name="Picture 4" descr="slidesPic1"/>
+          <p:cNvPicPr>
+            <a:picLocks noChangeAspect="1" noChangeArrowheads="1"/>
+          </p:cNvPicPr>
+          <p:nvPr/>
+        </p:nvPicPr>
+        <p:blipFill>
+          <a:blip r:embed="rId2"/>
+          <a:srcRect/>
+          <a:stretch>
+            <a:fillRect/>
+          </a:stretch>
+        </p:blipFill>
+        <p:spPr bwMode="auto">
+          <a:xfrm>
+            <a:off x="1828800" y="1752600"/>
+            <a:ext cx="7086600" cy="3884613"/>
+          </a:xfrm>
+          <a:prstGeom prst="rect">
+            <a:avLst/>
+          </a:prstGeom>
+          <a:noFill/>
+          <a:ln w="9525">
+            <a:noFill/>
+            <a:miter lim="800000"/>
+            <a:headEnd/>
+            <a:tailEnd/>
+          </a:ln>
+        </p:spPr>
+      </p:pic>
     </p:spTree>
   </p:cSld>
   <p:clrMapOvr>
@@ -5496,12 +5632,12 @@
       </p:grpSpPr>
       <p:sp>
         <p:nvSpPr>
-          <p:cNvPr id="43010" name="Rectangle 2"/>
+          <p:cNvPr id="41986" name="Rectangle 2"/>
           <p:cNvSpPr>
             <a:spLocks noGrp="1" noChangeArrowheads="1"/>
           </p:cNvSpPr>
           <p:nvPr>
-            <p:ph type="title"/>
+            <p:ph type="title" idx="4294967295"/>
           </p:nvPr>
         </p:nvSpPr>
         <p:spPr/>
@@ -5511,19 +5647,19 @@
           <a:p>
             <a:r>
               <a:rPr lang="en-CA" smtClean="0"/>
-              <a:t>The Server Model</a:t>
-            </a:r>
-          </a:p>
-        </p:txBody>
-      </p:sp>
-      <p:sp>
-        <p:nvSpPr>
-          <p:cNvPr id="43011" name="Rectangle 3"/>
+              <a:t>The Server Controller</a:t>
+            </a:r>
+          </a:p>
+        </p:txBody>
+      </p:sp>
+      <p:sp>
+        <p:nvSpPr>
+          <p:cNvPr id="41987" name="Rectangle 3"/>
           <p:cNvSpPr>
             <a:spLocks noGrp="1" noChangeArrowheads="1"/>
           </p:cNvSpPr>
           <p:nvPr>
-            <p:ph type="body" idx="1"/>
+            <p:ph type="body" idx="4294967295"/>
           </p:nvPr>
         </p:nvSpPr>
         <p:spPr/>
@@ -5533,17 +5669,36 @@
           <a:p>
             <a:r>
               <a:rPr lang="en-CA" smtClean="0"/>
-              <a:t>Sends game state updates (bound for the client) and override commands (bound for the robot) all to the controller.</a:t>
-            </a:r>
-          </a:p>
-          <a:p>
+              <a:t>Responsibilities:</a:t>
+            </a:r>
+          </a:p>
+          <a:p>
+            <a:pPr lvl="1"/>
             <a:r>
               <a:rPr lang="en-CA" smtClean="0"/>
-              <a:t>The entire game state is serialized and sent to the Android client, where the changes in the state (represented by 3D OpenGL graphics) are updated on the screen.</a:t>
-            </a:r>
-          </a:p>
-          <a:p>
-            <a:endParaRPr lang="en-CA" smtClean="0"/>
+              <a:t>Routing of commands and signals</a:t>
+            </a:r>
+          </a:p>
+          <a:p>
+            <a:pPr lvl="1"/>
+            <a:r>
+              <a:rPr lang="en-CA" smtClean="0"/>
+              <a:t>Maintaining network connection between clients and robots</a:t>
+            </a:r>
+          </a:p>
+          <a:p>
+            <a:pPr lvl="1"/>
+            <a:r>
+              <a:rPr lang="en-CA" smtClean="0"/>
+              <a:t>Encoding video to stream to mobile clients</a:t>
+            </a:r>
+          </a:p>
+          <a:p>
+            <a:pPr lvl="1"/>
+            <a:r>
+              <a:rPr lang="en-CA" smtClean="0"/>
+              <a:t>Lobby system and chat room</a:t>
+            </a:r>
           </a:p>
         </p:txBody>
       </p:sp>
@@ -5574,57 +5729,60 @@
       </p:grpSpPr>
       <p:sp>
         <p:nvSpPr>
-          <p:cNvPr id="39938" name="Rectangle 2"/>
+          <p:cNvPr id="20481" name="Rectangle 2"/>
           <p:cNvSpPr>
             <a:spLocks noGrp="1" noChangeArrowheads="1"/>
           </p:cNvSpPr>
           <p:nvPr>
-            <p:ph type="title" idx="4294967295"/>
-          </p:nvPr>
-        </p:nvSpPr>
-        <p:spPr>
-          <a:xfrm>
-            <a:off x="2286000" y="1143000"/>
-            <a:ext cx="6858000" cy="914400"/>
-          </a:xfrm>
-        </p:spPr>
+            <p:ph type="title"/>
+          </p:nvPr>
+        </p:nvSpPr>
+        <p:spPr/>
         <p:txBody>
           <a:bodyPr/>
           <a:lstStyle/>
           <a:p>
             <a:r>
               <a:rPr lang="en-CA" smtClean="0"/>
-              <a:t>Structure of System</a:t>
-            </a:r>
-          </a:p>
-        </p:txBody>
-      </p:sp>
-      <p:pic>
-        <p:nvPicPr>
-          <p:cNvPr id="39940" name="Picture 4" descr="slidesPic1"/>
-          <p:cNvPicPr>
-            <a:picLocks noChangeAspect="1" noChangeArrowheads="1"/>
-          </p:cNvPicPr>
-          <p:nvPr/>
-        </p:nvPicPr>
-        <p:blipFill>
-          <a:blip r:embed="rId2"/>
-          <a:srcRect/>
-          <a:stretch>
-            <a:fillRect/>
-          </a:stretch>
-        </p:blipFill>
-        <p:spPr bwMode="auto">
-          <a:xfrm>
-            <a:off x="1828800" y="1752600"/>
-            <a:ext cx="7086600" cy="3884613"/>
-          </a:xfrm>
-          <a:prstGeom prst="rect">
-            <a:avLst/>
-          </a:prstGeom>
-          <a:noFill/>
-        </p:spPr>
-      </p:pic>
+              <a:t>The Server Model</a:t>
+            </a:r>
+          </a:p>
+        </p:txBody>
+      </p:sp>
+      <p:sp>
+        <p:nvSpPr>
+          <p:cNvPr id="20482" name="Rectangle 3"/>
+          <p:cNvSpPr>
+            <a:spLocks noGrp="1" noChangeArrowheads="1"/>
+          </p:cNvSpPr>
+          <p:nvPr>
+            <p:ph type="body" idx="1"/>
+          </p:nvPr>
+        </p:nvSpPr>
+        <p:spPr/>
+        <p:txBody>
+          <a:bodyPr/>
+          <a:lstStyle/>
+          <a:p>
+            <a:r>
+              <a:rPr lang="en-CA" smtClean="0"/>
+              <a:t>Stores the logical representation of the robots and their position and heading, and the game state.</a:t>
+            </a:r>
+          </a:p>
+          <a:p>
+            <a:r>
+              <a:rPr lang="en-CA" smtClean="0"/>
+              <a:t>Uses the representation of the robots to interact with the virtual elements of the game.</a:t>
+            </a:r>
+          </a:p>
+          <a:p>
+            <a:r>
+              <a:rPr lang="en-CA" smtClean="0"/>
+              <a:t>Accepts incoming position updates and robot commands from the controller.</a:t>
+            </a:r>
+          </a:p>
+        </p:txBody>
+      </p:sp>
     </p:spTree>
   </p:cSld>
   <p:clrMapOvr>
@@ -5652,7 +5810,7 @@
       </p:grpSpPr>
       <p:sp>
         <p:nvSpPr>
-          <p:cNvPr id="40962" name="Rectangle 2"/>
+          <p:cNvPr id="21505" name="Rectangle 2"/>
           <p:cNvSpPr>
             <a:spLocks noGrp="1" noChangeArrowheads="1"/>
           </p:cNvSpPr>
@@ -5667,14 +5825,14 @@
           <a:p>
             <a:r>
               <a:rPr lang="en-CA" smtClean="0"/>
-              <a:t>Structure of System</a:t>
-            </a:r>
-          </a:p>
-        </p:txBody>
-      </p:sp>
-      <p:sp>
-        <p:nvSpPr>
-          <p:cNvPr id="40963" name="Rectangle 3"/>
+              <a:t>The Server Model</a:t>
+            </a:r>
+          </a:p>
+        </p:txBody>
+      </p:sp>
+      <p:sp>
+        <p:nvSpPr>
+          <p:cNvPr id="21506" name="Rectangle 3"/>
           <p:cNvSpPr>
             <a:spLocks noGrp="1" noChangeArrowheads="1"/>
           </p:cNvSpPr>
@@ -5689,25 +5847,13 @@
           <a:p>
             <a:r>
               <a:rPr lang="en-CA" smtClean="0"/>
-              <a:t>Discrete modules with rigidly defined responsibilities.</a:t>
+              <a:t>Sends game state updates (bound for the client) and override commands (bound for the robot) all to the controller.</a:t>
             </a:r>
           </a:p>
           <a:p>
             <a:r>
               <a:rPr lang="en-CA" smtClean="0"/>
-              <a:t>Easy to test with unit testing (internal functionality only).</a:t>
-            </a:r>
-          </a:p>
-          <a:p>
-            <a:r>
-              <a:rPr lang="en-CA" smtClean="0"/>
-              <a:t>For functionality that depend on signals passed in from other modules, stubbing is required for ease of testing.</a:t>
-            </a:r>
-          </a:p>
-          <a:p>
-            <a:r>
-              <a:rPr lang="en-CA" smtClean="0"/>
-              <a:t>No unrelated functionality of stub is needed, only meant for injecting all possible signals for given module to process.</a:t>
+              <a:t>The entire game state is serialized and sent to the Android client, where the changes in the state (represented by 3D OpenGL graphics) are updated on the screen.</a:t>
             </a:r>
           </a:p>
         </p:txBody>
@@ -5739,57 +5885,66 @@
       </p:grpSpPr>
       <p:sp>
         <p:nvSpPr>
-          <p:cNvPr id="36866" name="Rectangle 2"/>
+          <p:cNvPr id="23553" name="Rectangle 2"/>
           <p:cNvSpPr>
             <a:spLocks noGrp="1" noChangeArrowheads="1"/>
           </p:cNvSpPr>
           <p:nvPr>
-            <p:ph type="title" idx="4294967295"/>
-          </p:nvPr>
-        </p:nvSpPr>
-        <p:spPr>
-          <a:xfrm>
-            <a:off x="2286000" y="1143000"/>
-            <a:ext cx="6858000" cy="914400"/>
-          </a:xfrm>
-        </p:spPr>
+            <p:ph type="title"/>
+          </p:nvPr>
+        </p:nvSpPr>
+        <p:spPr/>
         <p:txBody>
           <a:bodyPr/>
           <a:lstStyle/>
           <a:p>
             <a:r>
               <a:rPr lang="en-CA" smtClean="0"/>
-              <a:t>Stubbing of System Modules</a:t>
-            </a:r>
-          </a:p>
-        </p:txBody>
-      </p:sp>
-      <p:pic>
-        <p:nvPicPr>
-          <p:cNvPr id="36868" name="Picture 4" descr="slidesPic2"/>
-          <p:cNvPicPr>
-            <a:picLocks noChangeAspect="1" noChangeArrowheads="1"/>
-          </p:cNvPicPr>
-          <p:nvPr/>
-        </p:nvPicPr>
-        <p:blipFill>
-          <a:blip r:embed="rId2"/>
-          <a:srcRect/>
-          <a:stretch>
-            <a:fillRect/>
-          </a:stretch>
-        </p:blipFill>
-        <p:spPr bwMode="auto">
-          <a:xfrm>
-            <a:off x="2209800" y="1905000"/>
-            <a:ext cx="6307138" cy="3514725"/>
-          </a:xfrm>
-          <a:prstGeom prst="rect">
-            <a:avLst/>
-          </a:prstGeom>
-          <a:noFill/>
-        </p:spPr>
-      </p:pic>
+              <a:t>Structure of System</a:t>
+            </a:r>
+          </a:p>
+        </p:txBody>
+      </p:sp>
+      <p:sp>
+        <p:nvSpPr>
+          <p:cNvPr id="23554" name="Rectangle 3"/>
+          <p:cNvSpPr>
+            <a:spLocks noGrp="1" noChangeArrowheads="1"/>
+          </p:cNvSpPr>
+          <p:nvPr>
+            <p:ph type="body" idx="1"/>
+          </p:nvPr>
+        </p:nvSpPr>
+        <p:spPr/>
+        <p:txBody>
+          <a:bodyPr/>
+          <a:lstStyle/>
+          <a:p>
+            <a:r>
+              <a:rPr lang="en-CA" smtClean="0"/>
+              <a:t>Discrete modules with rigidly defined responsibilities.</a:t>
+            </a:r>
+          </a:p>
+          <a:p>
+            <a:r>
+              <a:rPr lang="en-CA" smtClean="0"/>
+              <a:t>Easy to test with unit testing (internal functionality only).</a:t>
+            </a:r>
+          </a:p>
+          <a:p>
+            <a:r>
+              <a:rPr lang="en-CA" smtClean="0"/>
+              <a:t>For functionality that depend on signals passed in from other modules, stubbing is required for ease of testing.</a:t>
+            </a:r>
+          </a:p>
+          <a:p>
+            <a:r>
+              <a:rPr lang="en-CA" smtClean="0"/>
+              <a:t>No unrelated functionality of stub is needed, only meant for injecting all possible signals for given module to process.</a:t>
+            </a:r>
+          </a:p>
+        </p:txBody>
+      </p:sp>
     </p:spTree>
   </p:cSld>
   <p:clrMapOvr>

--- a/docs/presentation_slides/RoboWarsPresentation_AlexDinardo.pptx
+++ b/docs/presentation_slides/RoboWarsPresentation_AlexDinardo.pptx
@@ -5,10 +5,10 @@
     <p:sldMasterId id="2147483648" r:id="rId1"/>
   </p:sldMasterIdLst>
   <p:notesMasterIdLst>
-    <p:notesMasterId r:id="rId17"/>
+    <p:notesMasterId r:id="rId15"/>
   </p:notesMasterIdLst>
   <p:handoutMasterIdLst>
-    <p:handoutMasterId r:id="rId18"/>
+    <p:handoutMasterId r:id="rId16"/>
   </p:handoutMasterIdLst>
   <p:sldIdLst>
     <p:sldId id="258" r:id="rId2"/>
@@ -16,16 +16,14 @@
     <p:sldId id="273" r:id="rId4"/>
     <p:sldId id="274" r:id="rId5"/>
     <p:sldId id="266" r:id="rId6"/>
-    <p:sldId id="276" r:id="rId7"/>
-    <p:sldId id="268" r:id="rId8"/>
-    <p:sldId id="269" r:id="rId9"/>
-    <p:sldId id="267" r:id="rId10"/>
-    <p:sldId id="264" r:id="rId11"/>
-    <p:sldId id="270" r:id="rId12"/>
-    <p:sldId id="265" r:id="rId13"/>
-    <p:sldId id="271" r:id="rId14"/>
-    <p:sldId id="277" r:id="rId15"/>
-    <p:sldId id="275" r:id="rId16"/>
+    <p:sldId id="269" r:id="rId7"/>
+    <p:sldId id="267" r:id="rId8"/>
+    <p:sldId id="264" r:id="rId9"/>
+    <p:sldId id="270" r:id="rId10"/>
+    <p:sldId id="265" r:id="rId11"/>
+    <p:sldId id="271" r:id="rId12"/>
+    <p:sldId id="277" r:id="rId13"/>
+    <p:sldId id="275" r:id="rId14"/>
   </p:sldIdLst>
   <p:sldSz cx="9144000" cy="6858000" type="screen4x3"/>
   <p:notesSz cx="6858000" cy="9144000"/>
@@ -370,7 +368,7 @@
             <a:pPr>
               <a:defRPr/>
             </a:pPr>
-            <a:fld id="{D0B3BCFB-CCA6-4C2D-A9A7-5EACA6688D44}" type="slidenum">
+            <a:fld id="{5D01A5CC-4103-49F4-A1D1-87704987976B}" type="slidenum">
               <a:rPr lang="en-US"/>
               <a:pPr>
                 <a:defRPr/>
@@ -700,7 +698,7 @@
             <a:pPr>
               <a:defRPr/>
             </a:pPr>
-            <a:fld id="{F0BFB156-8091-4831-ABF0-514A9D5BC13B}" type="slidenum">
+            <a:fld id="{15B1C128-1DB4-4AA0-9B14-9AE37678C7AB}" type="slidenum">
               <a:rPr lang="en-US"/>
               <a:pPr>
                 <a:defRPr/>
@@ -953,7 +951,7 @@
             <a:pPr>
               <a:defRPr/>
             </a:pPr>
-            <a:fld id="{C7093516-3476-4826-BB14-C0D7E713CA0A}" type="slidenum">
+            <a:fld id="{E9E36A84-FAAB-490B-AACD-4CB51F7122AA}" type="slidenum">
               <a:rPr lang="en-US"/>
               <a:pPr>
                 <a:defRPr/>
@@ -986,7 +984,7 @@
             <a:pPr>
               <a:defRPr/>
             </a:pPr>
-            <a:fld id="{7347272A-4001-449A-BA67-1F9B499A8637}" type="slidenum">
+            <a:fld id="{90B8ED23-DEA1-4E0D-B96E-289741062E38}" type="slidenum">
               <a:rPr lang="en-US"/>
               <a:pPr>
                 <a:defRPr/>
@@ -1129,7 +1127,7 @@
             <a:pPr>
               <a:defRPr/>
             </a:pPr>
-            <a:fld id="{9E0ABF5B-ACBC-4F34-A387-27E3B7873A67}" type="slidenum">
+            <a:fld id="{9990405C-E739-48F6-AE73-9077273886ED}" type="slidenum">
               <a:rPr lang="en-US"/>
               <a:pPr>
                 <a:defRPr/>
@@ -1162,7 +1160,7 @@
             <a:pPr>
               <a:defRPr/>
             </a:pPr>
-            <a:fld id="{B7AD8ACC-C1EC-4E20-8272-B249EC43195B}" type="slidenum">
+            <a:fld id="{17CD251A-86AE-44AF-B463-75ED7D6D6C30}" type="slidenum">
               <a:rPr lang="en-US"/>
               <a:pPr>
                 <a:defRPr/>
@@ -1359,7 +1357,7 @@
             <a:pPr>
               <a:defRPr/>
             </a:pPr>
-            <a:fld id="{AE5C536A-7770-4A1F-946E-053F34589ED6}" type="slidenum">
+            <a:fld id="{60E27454-81CC-4D96-9B0E-4407836DB729}" type="slidenum">
               <a:rPr lang="en-US"/>
               <a:pPr>
                 <a:defRPr/>
@@ -1392,7 +1390,7 @@
             <a:pPr>
               <a:defRPr/>
             </a:pPr>
-            <a:fld id="{120B1174-1C1B-4ED8-9CFD-D699B1ADD5A3}" type="slidenum">
+            <a:fld id="{25D378DE-105D-4BCD-B9AB-DBDDA611EA1A}" type="slidenum">
               <a:rPr lang="en-US"/>
               <a:pPr>
                 <a:defRPr/>
@@ -1589,7 +1587,7 @@
             <a:pPr>
               <a:defRPr/>
             </a:pPr>
-            <a:fld id="{7C9ACC75-6063-46E2-86DA-4D6E5636F9FF}" type="slidenum">
+            <a:fld id="{028A7932-D217-49DF-9F31-9CED7ED58346}" type="slidenum">
               <a:rPr lang="en-US"/>
               <a:pPr>
                 <a:defRPr/>
@@ -1622,7 +1620,7 @@
             <a:pPr>
               <a:defRPr/>
             </a:pPr>
-            <a:fld id="{C99B8883-6E3E-4CB7-9C75-1489B9E0108E}" type="slidenum">
+            <a:fld id="{5A7A23DB-CB0E-490A-8AC4-6DE5B3B1DFED}" type="slidenum">
               <a:rPr lang="en-US"/>
               <a:pPr>
                 <a:defRPr/>
@@ -1777,7 +1775,7 @@
             <a:pPr>
               <a:defRPr/>
             </a:pPr>
-            <a:fld id="{AA4E1105-810E-478D-8EA0-E5494CB459F2}" type="slidenum">
+            <a:fld id="{B504250D-6D6A-496E-845D-8ED7B787E44A}" type="slidenum">
               <a:rPr lang="en-US"/>
               <a:pPr>
                 <a:defRPr/>
@@ -1810,7 +1808,7 @@
             <a:pPr>
               <a:defRPr/>
             </a:pPr>
-            <a:fld id="{C8AA04BF-F7BC-466A-87AF-21907A449D49}" type="slidenum">
+            <a:fld id="{7B248910-2DC8-43AE-AAFF-FF781647F790}" type="slidenum">
               <a:rPr lang="en-US"/>
               <a:pPr>
                 <a:defRPr/>
@@ -2061,7 +2059,7 @@
             <a:pPr>
               <a:defRPr/>
             </a:pPr>
-            <a:fld id="{DE4BE20F-8C4E-4950-BF66-E902E7151C52}" type="slidenum">
+            <a:fld id="{AF639D53-7C00-4323-B555-40A8BD19F2D9}" type="slidenum">
               <a:rPr lang="en-US"/>
               <a:pPr>
                 <a:defRPr/>
@@ -2094,7 +2092,7 @@
             <a:pPr>
               <a:defRPr/>
             </a:pPr>
-            <a:fld id="{D3B2A9AE-3C86-4759-97D5-C1CB05C1520F}" type="slidenum">
+            <a:fld id="{C3F58B1F-C799-4AB5-B88B-AE3B8D3A751D}" type="slidenum">
               <a:rPr lang="en-US"/>
               <a:pPr>
                 <a:defRPr/>
@@ -2484,7 +2482,7 @@
             <a:pPr>
               <a:defRPr/>
             </a:pPr>
-            <a:fld id="{86F39DC0-0516-4ADF-9F22-809D464BDCA5}" type="slidenum">
+            <a:fld id="{416708BA-649A-4F2E-9485-EED4DD9B80EA}" type="slidenum">
               <a:rPr lang="en-US"/>
               <a:pPr>
                 <a:defRPr/>
@@ -2517,7 +2515,7 @@
             <a:pPr>
               <a:defRPr/>
             </a:pPr>
-            <a:fld id="{6A6F4D49-435B-4B75-98B8-55620B0963D5}" type="slidenum">
+            <a:fld id="{FA574971-6D08-4BD7-A6E2-A6D1D7FCA0DE}" type="slidenum">
               <a:rPr lang="en-US"/>
               <a:pPr>
                 <a:defRPr/>
@@ -2598,7 +2596,7 @@
             <a:pPr>
               <a:defRPr/>
             </a:pPr>
-            <a:fld id="{7A475D4E-3065-44F7-874E-F6DB28A73EC1}" type="slidenum">
+            <a:fld id="{1CDCCB7B-0AE5-418F-BDBE-1C1DA2610E31}" type="slidenum">
               <a:rPr lang="en-US"/>
               <a:pPr>
                 <a:defRPr/>
@@ -2631,7 +2629,7 @@
             <a:pPr>
               <a:defRPr/>
             </a:pPr>
-            <a:fld id="{94928F6A-985E-4168-8216-CE7F8D21A57C}" type="slidenum">
+            <a:fld id="{206DF131-3221-42AE-8781-873289DC35E8}" type="slidenum">
               <a:rPr lang="en-US"/>
               <a:pPr>
                 <a:defRPr/>
@@ -2689,7 +2687,7 @@
             <a:pPr>
               <a:defRPr/>
             </a:pPr>
-            <a:fld id="{4733D7D2-D3E7-49CE-941A-121B8D52240B}" type="slidenum">
+            <a:fld id="{C8323E12-B670-4128-BC50-F61E75DCB276}" type="slidenum">
               <a:rPr lang="en-US"/>
               <a:pPr>
                 <a:defRPr/>
@@ -2722,7 +2720,7 @@
             <a:pPr>
               <a:defRPr/>
             </a:pPr>
-            <a:fld id="{415C0E3B-F2B6-4B5B-BAA6-9E0E77803EFB}" type="slidenum">
+            <a:fld id="{2AAE49D4-D0D9-4F4A-8294-8B2D137632FC}" type="slidenum">
               <a:rPr lang="en-US"/>
               <a:pPr>
                 <a:defRPr/>
@@ -2962,7 +2960,7 @@
             <a:pPr>
               <a:defRPr/>
             </a:pPr>
-            <a:fld id="{FD47082D-752B-426C-B5B4-B08D3810197E}" type="slidenum">
+            <a:fld id="{CCACB992-B42F-4C0E-8FB2-98D42D4C18A2}" type="slidenum">
               <a:rPr lang="en-US"/>
               <a:pPr>
                 <a:defRPr/>
@@ -2995,7 +2993,7 @@
             <a:pPr>
               <a:defRPr/>
             </a:pPr>
-            <a:fld id="{7015A5C5-2A12-48A7-9CFD-D4E02808495D}" type="slidenum">
+            <a:fld id="{EF92403B-2B58-4CB4-AB40-032FFCC8CC08}" type="slidenum">
               <a:rPr lang="en-US"/>
               <a:pPr>
                 <a:defRPr/>
@@ -3212,7 +3210,7 @@
             <a:pPr>
               <a:defRPr/>
             </a:pPr>
-            <a:fld id="{B78023A0-84A9-49F0-BE8C-20C0E35E60CF}" type="slidenum">
+            <a:fld id="{3E6D13D3-57C7-4542-8FA4-D0DF5E70B8CF}" type="slidenum">
               <a:rPr lang="en-US"/>
               <a:pPr>
                 <a:defRPr/>
@@ -3245,7 +3243,7 @@
             <a:pPr>
               <a:defRPr/>
             </a:pPr>
-            <a:fld id="{C8046DFA-BD3A-49D3-8B5D-768A4D7B3B05}" type="slidenum">
+            <a:fld id="{B7FABD54-4EF3-46BE-949D-22671EE1ADF2}" type="slidenum">
               <a:rPr lang="en-US"/>
               <a:pPr>
                 <a:defRPr/>
@@ -3378,7 +3376,7 @@
             <a:pPr>
               <a:defRPr/>
             </a:pPr>
-            <a:fld id="{CFBFF56E-52DB-47FF-B270-FAA7E1878619}" type="slidenum">
+            <a:fld id="{D826E65B-CAE1-444C-90BE-3931C5B91773}" type="slidenum">
               <a:rPr lang="en-US"/>
               <a:pPr>
                 <a:defRPr/>
@@ -3411,7 +3409,7 @@
             <a:pPr>
               <a:defRPr/>
             </a:pPr>
-            <a:fld id="{264FFBA6-5C5B-4392-A669-10CFC4B45946}" type="slidenum">
+            <a:fld id="{4CF99E7D-00BE-4D32-83A5-D7FD20F5B4F0}" type="slidenum">
               <a:rPr lang="en-US"/>
               <a:pPr>
                 <a:defRPr/>
@@ -3732,7 +3730,7 @@
             <a:pPr>
               <a:defRPr/>
             </a:pPr>
-            <a:fld id="{3AA0ECC0-DD58-4F6A-9018-B62630B0423D}" type="slidenum">
+            <a:fld id="{FE9DB041-A064-46A2-A779-8395462BE33E}" type="slidenum">
               <a:rPr lang="en-US"/>
               <a:pPr>
                 <a:defRPr/>
@@ -3787,7 +3785,7 @@
             <a:pPr>
               <a:defRPr/>
             </a:pPr>
-            <a:fld id="{17F75431-F629-4E50-AE05-A98CD7E06DED}" type="slidenum">
+            <a:fld id="{8E953D70-5EEB-44DD-879B-1947F7CB378B}" type="slidenum">
               <a:rPr lang="en-US"/>
               <a:pPr>
                 <a:defRPr/>
@@ -4283,7 +4281,7 @@
           <a:bodyPr/>
           <a:lstStyle/>
           <a:p>
-            <a:fld id="{E6456843-D061-4CA7-A753-E18045C70C69}" type="slidenum">
+            <a:fld id="{6DF5BA93-4BD6-4381-93CD-9684B524EBEC}" type="slidenum">
               <a:rPr lang="en-US" smtClean="0">
                 <a:latin typeface="Egyptienne F Bold"/>
                 <a:cs typeface="Arial" charset="0"/>
@@ -4703,7 +4701,7 @@
       </p:grpSpPr>
       <p:sp>
         <p:nvSpPr>
-          <p:cNvPr id="24577" name="Rectangle 2"/>
+          <p:cNvPr id="27649" name="Rectangle 4"/>
           <p:cNvSpPr>
             <a:spLocks noGrp="1" noChangeArrowheads="1"/>
           </p:cNvSpPr>
@@ -4730,7 +4728,7 @@
       </p:sp>
       <p:pic>
         <p:nvPicPr>
-          <p:cNvPr id="24578" name="Picture 4" descr="slidesPic2"/>
+          <p:cNvPr id="27652" name="Picture 4" descr="slidesPic3"/>
           <p:cNvPicPr>
             <a:picLocks noChangeAspect="1" noChangeArrowheads="1"/>
           </p:cNvPicPr>
@@ -4745,19 +4743,13 @@
         </p:blipFill>
         <p:spPr bwMode="auto">
           <a:xfrm>
-            <a:off x="2209800" y="1905000"/>
-            <a:ext cx="6307138" cy="3514725"/>
+            <a:off x="1874838" y="1739900"/>
+            <a:ext cx="7269162" cy="4051300"/>
           </a:xfrm>
           <a:prstGeom prst="rect">
             <a:avLst/>
           </a:prstGeom>
           <a:noFill/>
-          <a:ln w="9525">
-            <a:noFill/>
-            <a:miter lim="800000"/>
-            <a:headEnd/>
-            <a:tailEnd/>
-          </a:ln>
         </p:spPr>
       </p:pic>
     </p:spTree>
@@ -4787,7 +4779,7 @@
       </p:grpSpPr>
       <p:sp>
         <p:nvSpPr>
-          <p:cNvPr id="25601" name="Rectangle 2"/>
+          <p:cNvPr id="28673" name="Rectangle 2"/>
           <p:cNvSpPr>
             <a:spLocks noGrp="1" noChangeArrowheads="1"/>
           </p:cNvSpPr>
@@ -4809,7 +4801,7 @@
       </p:sp>
       <p:sp>
         <p:nvSpPr>
-          <p:cNvPr id="25602" name="Rectangle 3"/>
+          <p:cNvPr id="28674" name="Rectangle 3"/>
           <p:cNvSpPr>
             <a:spLocks noGrp="1" noChangeArrowheads="1"/>
           </p:cNvSpPr>
@@ -4824,38 +4816,35 @@
           <a:p>
             <a:r>
               <a:rPr lang="en-CA" smtClean="0"/>
-              <a:t>The model stub</a:t>
-            </a:r>
-          </a:p>
-          <a:p>
-            <a:pPr lvl="1"/>
+              <a:t>The Controller Stubs</a:t>
+            </a:r>
+          </a:p>
+          <a:p>
+            <a:pPr marL="742950" lvl="1" indent="-285750"/>
             <a:r>
               <a:rPr lang="en-CA" smtClean="0"/>
-              <a:t>Only one robot</a:t>
-            </a:r>
-          </a:p>
-          <a:p>
-            <a:pPr lvl="1"/>
+              <a:t>Simulating controller for each module require different implementations.</a:t>
+            </a:r>
+          </a:p>
+          <a:p>
+            <a:pPr marL="742950" lvl="1" indent="-285750"/>
             <a:r>
               <a:rPr lang="en-CA" smtClean="0"/>
-              <a:t>No virtual entities</a:t>
-            </a:r>
-          </a:p>
-          <a:p>
-            <a:pPr lvl="1"/>
+              <a:t>Each stub has different in/out signals to generate.</a:t>
+            </a:r>
+          </a:p>
+          <a:p>
+            <a:pPr marL="742950" lvl="1" indent="-285750"/>
             <a:r>
               <a:rPr lang="en-CA" smtClean="0"/>
-              <a:t>No command or control restrictions</a:t>
-            </a:r>
-          </a:p>
-          <a:p>
-            <a:pPr lvl="1"/>
-            <a:endParaRPr lang="en-CA" smtClean="0"/>
-          </a:p>
-          <a:p>
+              <a:t>Controller stub for robot completed.</a:t>
+            </a:r>
+          </a:p>
+          <a:p>
+            <a:pPr marL="742950" lvl="1" indent="-285750"/>
             <a:r>
               <a:rPr lang="en-CA" smtClean="0"/>
-              <a:t>Meant for easily testing the communication between the client and robot without worrying about broken game logic.</a:t>
+              <a:t>Controller stubs for model and client are in progress.</a:t>
             </a:r>
           </a:p>
         </p:txBody>
@@ -4887,7 +4876,7 @@
       </p:grpSpPr>
       <p:sp>
         <p:nvSpPr>
-          <p:cNvPr id="26625" name="Rectangle 4"/>
+          <p:cNvPr id="29697" name="Rectangle 2"/>
           <p:cNvSpPr>
             <a:spLocks noGrp="1" noChangeArrowheads="1"/>
           </p:cNvSpPr>
@@ -4895,55 +4884,61 @@
             <p:ph type="title" idx="4294967295"/>
           </p:nvPr>
         </p:nvSpPr>
-        <p:spPr>
-          <a:xfrm>
-            <a:off x="2286000" y="1143000"/>
-            <a:ext cx="6858000" cy="914400"/>
-          </a:xfrm>
-        </p:spPr>
+        <p:spPr/>
         <p:txBody>
           <a:bodyPr/>
           <a:lstStyle/>
           <a:p>
             <a:r>
               <a:rPr lang="en-CA" smtClean="0"/>
-              <a:t>Stubbing of System Modules</a:t>
-            </a:r>
-          </a:p>
-        </p:txBody>
-      </p:sp>
-      <p:pic>
-        <p:nvPicPr>
-          <p:cNvPr id="26626" name="Picture 6" descr="slidesPic3"/>
-          <p:cNvPicPr>
-            <a:picLocks noChangeAspect="1" noChangeArrowheads="1"/>
-          </p:cNvPicPr>
-          <p:nvPr/>
-        </p:nvPicPr>
-        <p:blipFill>
-          <a:blip r:embed="rId2"/>
-          <a:srcRect/>
-          <a:stretch>
-            <a:fillRect/>
-          </a:stretch>
-        </p:blipFill>
-        <p:spPr bwMode="auto">
-          <a:xfrm>
-            <a:off x="1905000" y="1600200"/>
-            <a:ext cx="7010400" cy="3906838"/>
-          </a:xfrm>
-          <a:prstGeom prst="rect">
-            <a:avLst/>
-          </a:prstGeom>
-          <a:noFill/>
-          <a:ln w="9525">
-            <a:noFill/>
-            <a:miter lim="800000"/>
-            <a:headEnd/>
-            <a:tailEnd/>
-          </a:ln>
-        </p:spPr>
-      </p:pic>
+              <a:t>Non-Functional Testing</a:t>
+            </a:r>
+          </a:p>
+        </p:txBody>
+      </p:sp>
+      <p:sp>
+        <p:nvSpPr>
+          <p:cNvPr id="29698" name="Rectangle 3"/>
+          <p:cNvSpPr>
+            <a:spLocks noGrp="1" noChangeArrowheads="1"/>
+          </p:cNvSpPr>
+          <p:nvPr>
+            <p:ph type="body" idx="4294967295"/>
+          </p:nvPr>
+        </p:nvSpPr>
+        <p:spPr/>
+        <p:txBody>
+          <a:bodyPr/>
+          <a:lstStyle/>
+          <a:p>
+            <a:r>
+              <a:rPr lang="en-CA" smtClean="0"/>
+              <a:t>Other things to consider when testing system wide:</a:t>
+            </a:r>
+          </a:p>
+          <a:p>
+            <a:pPr lvl="1"/>
+            <a:r>
+              <a:rPr lang="en-CA" smtClean="0"/>
+              <a:t>Network Latency</a:t>
+            </a:r>
+          </a:p>
+          <a:p>
+            <a:pPr lvl="1"/>
+            <a:r>
+              <a:rPr lang="en-CA" smtClean="0"/>
+              <a:t>Network Bandwidth</a:t>
+            </a:r>
+          </a:p>
+          <a:p>
+            <a:pPr lvl="1"/>
+            <a:r>
+              <a:rPr lang="en-CA" smtClean="0"/>
+              <a:t>Performance Issues</a:t>
+            </a:r>
+          </a:p>
+        </p:txBody>
+      </p:sp>
     </p:spTree>
   </p:cSld>
   <p:clrMapOvr>
@@ -4971,7 +4966,7 @@
       </p:grpSpPr>
       <p:sp>
         <p:nvSpPr>
-          <p:cNvPr id="27649" name="Rectangle 2"/>
+          <p:cNvPr id="30721" name="Rectangle 2"/>
           <p:cNvSpPr>
             <a:spLocks noGrp="1" noChangeArrowheads="1"/>
           </p:cNvSpPr>
@@ -4986,14 +4981,14 @@
           <a:p>
             <a:r>
               <a:rPr lang="en-CA" smtClean="0"/>
-              <a:t>Stubbing of System Modules</a:t>
-            </a:r>
-          </a:p>
-        </p:txBody>
-      </p:sp>
-      <p:sp>
-        <p:nvSpPr>
-          <p:cNvPr id="27650" name="Rectangle 3"/>
+              <a:t>References</a:t>
+            </a:r>
+          </a:p>
+        </p:txBody>
+      </p:sp>
+      <p:sp>
+        <p:nvSpPr>
+          <p:cNvPr id="30722" name="Rectangle 3"/>
           <p:cNvSpPr>
             <a:spLocks noGrp="1" noChangeArrowheads="1"/>
           </p:cNvSpPr>
@@ -5007,185 +5002,20 @@
           <a:lstStyle/>
           <a:p>
             <a:r>
-              <a:rPr lang="en-CA" smtClean="0"/>
-              <a:t>For testing the outlying modules, stubbing the controller simply involves injecting the set of signals that the given module expects (and some it doesn’t expect).</a:t>
-            </a:r>
-          </a:p>
-          <a:p>
-            <a:r>
-              <a:rPr lang="en-CA" smtClean="0"/>
-              <a:t>Unit testing should cover all methods that don’t rely on external signals.</a:t>
-            </a:r>
-          </a:p>
-        </p:txBody>
-      </p:sp>
-    </p:spTree>
-  </p:cSld>
-  <p:clrMapOvr>
-    <a:masterClrMapping/>
-  </p:clrMapOvr>
-</p:sld>
-</file>
-
-<file path=ppt/slides/slide14.xml><?xml version="1.0" encoding="utf-8"?>
-<p:sld xmlns:a="http://schemas.openxmlformats.org/drawingml/2006/main" xmlns:r="http://schemas.openxmlformats.org/officeDocument/2006/relationships" xmlns:p="http://schemas.openxmlformats.org/presentationml/2006/main">
-  <p:cSld>
-    <p:spTree>
-      <p:nvGrpSpPr>
-        <p:cNvPr id="1" name=""/>
-        <p:cNvGrpSpPr/>
-        <p:nvPr/>
-      </p:nvGrpSpPr>
-      <p:grpSpPr>
-        <a:xfrm>
-          <a:off x="0" y="0"/>
-          <a:ext cx="0" cy="0"/>
-          <a:chOff x="0" y="0"/>
-          <a:chExt cx="0" cy="0"/>
-        </a:xfrm>
-      </p:grpSpPr>
-      <p:sp>
-        <p:nvSpPr>
-          <p:cNvPr id="43010" name="Rectangle 2"/>
-          <p:cNvSpPr>
-            <a:spLocks noGrp="1" noChangeArrowheads="1"/>
-          </p:cNvSpPr>
-          <p:nvPr>
-            <p:ph type="title" idx="4294967295"/>
-          </p:nvPr>
-        </p:nvSpPr>
-        <p:spPr/>
-        <p:txBody>
-          <a:bodyPr/>
-          <a:lstStyle/>
-          <a:p>
-            <a:r>
-              <a:rPr lang="en-CA" smtClean="0"/>
-              <a:t>Non-Functional Testing</a:t>
-            </a:r>
-          </a:p>
-        </p:txBody>
-      </p:sp>
-      <p:sp>
-        <p:nvSpPr>
-          <p:cNvPr id="43011" name="Rectangle 3"/>
-          <p:cNvSpPr>
-            <a:spLocks noGrp="1" noChangeArrowheads="1"/>
-          </p:cNvSpPr>
-          <p:nvPr>
-            <p:ph type="body" idx="4294967295"/>
-          </p:nvPr>
-        </p:nvSpPr>
-        <p:spPr/>
-        <p:txBody>
-          <a:bodyPr/>
-          <a:lstStyle/>
-          <a:p>
-            <a:r>
-              <a:rPr lang="en-CA" smtClean="0"/>
-              <a:t>Other things to consider when testing system wide:</a:t>
-            </a:r>
-          </a:p>
-          <a:p>
-            <a:pPr lvl="1"/>
-            <a:r>
-              <a:rPr lang="en-CA" smtClean="0"/>
-              <a:t>Network Latency</a:t>
-            </a:r>
-          </a:p>
-          <a:p>
-            <a:pPr lvl="1"/>
-            <a:r>
-              <a:rPr lang="en-CA" smtClean="0"/>
-              <a:t>Network Bandtwidth</a:t>
-            </a:r>
-          </a:p>
-          <a:p>
-            <a:pPr lvl="1"/>
-            <a:r>
-              <a:rPr lang="en-CA" smtClean="0"/>
-              <a:t>Performance Issues</a:t>
-            </a:r>
-          </a:p>
-        </p:txBody>
-      </p:sp>
-    </p:spTree>
-  </p:cSld>
-  <p:clrMapOvr>
-    <a:masterClrMapping/>
-  </p:clrMapOvr>
-</p:sld>
-</file>
-
-<file path=ppt/slides/slide15.xml><?xml version="1.0" encoding="utf-8"?>
-<p:sld xmlns:a="http://schemas.openxmlformats.org/drawingml/2006/main" xmlns:r="http://schemas.openxmlformats.org/officeDocument/2006/relationships" xmlns:p="http://schemas.openxmlformats.org/presentationml/2006/main">
-  <p:cSld>
-    <p:spTree>
-      <p:nvGrpSpPr>
-        <p:cNvPr id="1" name=""/>
-        <p:cNvGrpSpPr/>
-        <p:nvPr/>
-      </p:nvGrpSpPr>
-      <p:grpSpPr>
-        <a:xfrm>
-          <a:off x="0" y="0"/>
-          <a:ext cx="0" cy="0"/>
-          <a:chOff x="0" y="0"/>
-          <a:chExt cx="0" cy="0"/>
-        </a:xfrm>
-      </p:grpSpPr>
-      <p:sp>
-        <p:nvSpPr>
-          <p:cNvPr id="28673" name="Rectangle 2"/>
-          <p:cNvSpPr>
-            <a:spLocks noGrp="1" noChangeArrowheads="1"/>
-          </p:cNvSpPr>
-          <p:nvPr>
-            <p:ph type="title"/>
-          </p:nvPr>
-        </p:nvSpPr>
-        <p:spPr/>
-        <p:txBody>
-          <a:bodyPr/>
-          <a:lstStyle/>
-          <a:p>
-            <a:r>
-              <a:rPr lang="en-CA" smtClean="0"/>
-              <a:t>References</a:t>
-            </a:r>
-          </a:p>
-        </p:txBody>
-      </p:sp>
-      <p:sp>
-        <p:nvSpPr>
-          <p:cNvPr id="28674" name="Rectangle 3"/>
-          <p:cNvSpPr>
-            <a:spLocks noGrp="1" noChangeArrowheads="1"/>
-          </p:cNvSpPr>
-          <p:nvPr>
-            <p:ph type="body" idx="1"/>
-          </p:nvPr>
-        </p:nvSpPr>
-        <p:spPr/>
-        <p:txBody>
-          <a:bodyPr/>
-          <a:lstStyle/>
-          <a:p>
-            <a:r>
               <a:rPr lang="en-CA" sz="1600" smtClean="0"/>
-              <a:t>http://www.raizlabs.com/blog/262/augmented-reality-gps</a:t>
+              <a:t>D1 - http://www.raizlabs.com/blog/262/augmented-reality-gps</a:t>
             </a:r>
           </a:p>
           <a:p>
             <a:r>
               <a:rPr lang="en-CA" sz="1600" smtClean="0"/>
-              <a:t>http://questvisual.com/</a:t>
+              <a:t>D2 - http://petitinvention.wordpress.com/2008/08/20/future-of-mobile-search-virtual-shopping-1/</a:t>
             </a:r>
           </a:p>
           <a:p>
             <a:r>
               <a:rPr lang="en-CA" sz="1600" smtClean="0"/>
-              <a:t>http://petitinvention.wordpress.com/2008/08/20/future-of-mobile-search-virtual-shopping-1/</a:t>
+              <a:t>D3 - http://questvisual.com/</a:t>
             </a:r>
           </a:p>
         </p:txBody>
@@ -5247,7 +5077,12 @@
             <p:ph type="body" sz="half" idx="1"/>
           </p:nvPr>
         </p:nvSpPr>
-        <p:spPr/>
+        <p:spPr>
+          <a:xfrm>
+            <a:off x="1981200" y="1981200"/>
+            <a:ext cx="6781800" cy="990600"/>
+          </a:xfrm>
+        </p:spPr>
         <p:txBody>
           <a:bodyPr/>
           <a:lstStyle/>
@@ -5257,6 +5092,30 @@
               <a:t>A fast growing area of research and development with never before thought of everyday applications.</a:t>
             </a:r>
           </a:p>
+          <a:p>
+            <a:endParaRPr lang="en-CA" sz="2100" smtClean="0"/>
+          </a:p>
+        </p:txBody>
+      </p:sp>
+      <p:sp>
+        <p:nvSpPr>
+          <p:cNvPr id="17416" name="Rectangle 8"/>
+          <p:cNvSpPr>
+            <a:spLocks noGrp="1" noChangeArrowheads="1"/>
+          </p:cNvSpPr>
+          <p:nvPr>
+            <p:ph type="body" sz="half" idx="4294967295"/>
+          </p:nvPr>
+        </p:nvSpPr>
+        <p:spPr>
+          <a:xfrm>
+            <a:off x="2209800" y="5486400"/>
+            <a:ext cx="6629400" cy="1371600"/>
+          </a:xfrm>
+        </p:spPr>
+        <p:txBody>
+          <a:bodyPr/>
+          <a:lstStyle/>
           <a:p>
             <a:r>
               <a:rPr lang="en-CA" sz="2100" smtClean="0"/>
@@ -5284,11 +5143,54 @@
         </p:blipFill>
         <p:spPr>
           <a:xfrm>
-            <a:off x="5257800" y="1828800"/>
+            <a:off x="3352800" y="2895600"/>
             <a:ext cx="3657600" cy="2706688"/>
           </a:xfrm>
         </p:spPr>
       </p:pic>
+      <p:sp>
+        <p:nvSpPr>
+          <p:cNvPr id="17413" name="Text Box 5"/>
+          <p:cNvSpPr txBox="1">
+            <a:spLocks noChangeArrowheads="1"/>
+          </p:cNvSpPr>
+          <p:nvPr/>
+        </p:nvSpPr>
+        <p:spPr bwMode="auto">
+          <a:xfrm>
+            <a:off x="8229600" y="4267200"/>
+            <a:ext cx="914400" cy="274638"/>
+          </a:xfrm>
+          <a:prstGeom prst="rect">
+            <a:avLst/>
+          </a:prstGeom>
+          <a:noFill/>
+          <a:ln w="9525">
+            <a:noFill/>
+            <a:miter lim="800000"/>
+            <a:headEnd/>
+            <a:tailEnd/>
+          </a:ln>
+          <a:effectLst/>
+        </p:spPr>
+        <p:txBody>
+          <a:bodyPr>
+            <a:spAutoFit/>
+          </a:bodyPr>
+          <a:lstStyle/>
+          <a:p>
+            <a:pPr>
+              <a:spcBef>
+                <a:spcPct val="50000"/>
+              </a:spcBef>
+            </a:pPr>
+            <a:r>
+              <a:rPr lang="en-CA" sz="1200"/>
+              <a:t>D1</a:t>
+            </a:r>
+          </a:p>
+        </p:txBody>
+      </p:sp>
     </p:spTree>
   </p:cSld>
   <p:clrMapOvr>
@@ -5428,6 +5330,49 @@
           </a:ln>
         </p:spPr>
       </p:pic>
+      <p:sp>
+        <p:nvSpPr>
+          <p:cNvPr id="18438" name="Text Box 6"/>
+          <p:cNvSpPr txBox="1">
+            <a:spLocks noChangeArrowheads="1"/>
+          </p:cNvSpPr>
+          <p:nvPr/>
+        </p:nvSpPr>
+        <p:spPr bwMode="auto">
+          <a:xfrm>
+            <a:off x="8382000" y="6248400"/>
+            <a:ext cx="914400" cy="274638"/>
+          </a:xfrm>
+          <a:prstGeom prst="rect">
+            <a:avLst/>
+          </a:prstGeom>
+          <a:noFill/>
+          <a:ln w="9525">
+            <a:noFill/>
+            <a:miter lim="800000"/>
+            <a:headEnd/>
+            <a:tailEnd/>
+          </a:ln>
+          <a:effectLst/>
+        </p:spPr>
+        <p:txBody>
+          <a:bodyPr>
+            <a:spAutoFit/>
+          </a:bodyPr>
+          <a:lstStyle/>
+          <a:p>
+            <a:pPr>
+              <a:spcBef>
+                <a:spcPct val="50000"/>
+              </a:spcBef>
+            </a:pPr>
+            <a:r>
+              <a:rPr lang="en-CA" sz="1200"/>
+              <a:t>D2</a:t>
+            </a:r>
+          </a:p>
+        </p:txBody>
+      </p:sp>
     </p:spTree>
   </p:cSld>
   <p:clrMapOvr>
@@ -5521,6 +5466,49 @@
           </a:xfrm>
         </p:spPr>
       </p:pic>
+      <p:sp>
+        <p:nvSpPr>
+          <p:cNvPr id="19461" name="Text Box 5"/>
+          <p:cNvSpPr txBox="1">
+            <a:spLocks noChangeArrowheads="1"/>
+          </p:cNvSpPr>
+          <p:nvPr/>
+        </p:nvSpPr>
+        <p:spPr bwMode="auto">
+          <a:xfrm>
+            <a:off x="7543800" y="6248400"/>
+            <a:ext cx="914400" cy="274638"/>
+          </a:xfrm>
+          <a:prstGeom prst="rect">
+            <a:avLst/>
+          </a:prstGeom>
+          <a:noFill/>
+          <a:ln w="9525">
+            <a:noFill/>
+            <a:miter lim="800000"/>
+            <a:headEnd/>
+            <a:tailEnd/>
+          </a:ln>
+          <a:effectLst/>
+        </p:spPr>
+        <p:txBody>
+          <a:bodyPr>
+            <a:spAutoFit/>
+          </a:bodyPr>
+          <a:lstStyle/>
+          <a:p>
+            <a:pPr>
+              <a:spcBef>
+                <a:spcPct val="50000"/>
+              </a:spcBef>
+            </a:pPr>
+            <a:r>
+              <a:rPr lang="en-CA" sz="1200"/>
+              <a:t>D3</a:t>
+            </a:r>
+          </a:p>
+        </p:txBody>
+      </p:sp>
     </p:spTree>
   </p:cSld>
   <p:clrMapOvr>
@@ -5548,7 +5536,7 @@
       </p:grpSpPr>
       <p:sp>
         <p:nvSpPr>
-          <p:cNvPr id="22529" name="Rectangle 2"/>
+          <p:cNvPr id="20481" name="Rectangle 2"/>
           <p:cNvSpPr>
             <a:spLocks noGrp="1" noChangeArrowheads="1"/>
           </p:cNvSpPr>
@@ -5575,7 +5563,7 @@
       </p:sp>
       <p:pic>
         <p:nvPicPr>
-          <p:cNvPr id="22530" name="Picture 4" descr="slidesPic1"/>
+          <p:cNvPr id="20484" name="Picture 4" descr="slidesPic1"/>
           <p:cNvPicPr>
             <a:picLocks noChangeAspect="1" noChangeArrowheads="1"/>
           </p:cNvPicPr>
@@ -5590,19 +5578,13 @@
         </p:blipFill>
         <p:spPr bwMode="auto">
           <a:xfrm>
-            <a:off x="1828800" y="1752600"/>
-            <a:ext cx="7086600" cy="3884613"/>
+            <a:off x="1905000" y="1974850"/>
+            <a:ext cx="7239000" cy="3968750"/>
           </a:xfrm>
           <a:prstGeom prst="rect">
             <a:avLst/>
           </a:prstGeom>
           <a:noFill/>
-          <a:ln w="9525">
-            <a:noFill/>
-            <a:miter lim="800000"/>
-            <a:headEnd/>
-            <a:tailEnd/>
-          </a:ln>
         </p:spPr>
       </p:pic>
     </p:spTree>
@@ -5632,7 +5614,7 @@
       </p:grpSpPr>
       <p:sp>
         <p:nvSpPr>
-          <p:cNvPr id="41986" name="Rectangle 2"/>
+          <p:cNvPr id="23556" name="Rectangle 4"/>
           <p:cNvSpPr>
             <a:spLocks noGrp="1" noChangeArrowheads="1"/>
           </p:cNvSpPr>
@@ -5647,61 +5629,37 @@
           <a:p>
             <a:r>
               <a:rPr lang="en-CA" smtClean="0"/>
-              <a:t>The Server Controller</a:t>
-            </a:r>
-          </a:p>
-        </p:txBody>
-      </p:sp>
-      <p:sp>
-        <p:nvSpPr>
-          <p:cNvPr id="41987" name="Rectangle 3"/>
-          <p:cNvSpPr>
-            <a:spLocks noGrp="1" noChangeArrowheads="1"/>
-          </p:cNvSpPr>
-          <p:nvPr>
-            <p:ph type="body" idx="4294967295"/>
-          </p:nvPr>
-        </p:nvSpPr>
-        <p:spPr/>
-        <p:txBody>
-          <a:bodyPr/>
-          <a:lstStyle/>
-          <a:p>
-            <a:r>
-              <a:rPr lang="en-CA" smtClean="0"/>
-              <a:t>Responsibilities:</a:t>
-            </a:r>
-          </a:p>
-          <a:p>
-            <a:pPr lvl="1"/>
-            <a:r>
-              <a:rPr lang="en-CA" smtClean="0"/>
-              <a:t>Routing of commands and signals</a:t>
-            </a:r>
-          </a:p>
-          <a:p>
-            <a:pPr lvl="1"/>
-            <a:r>
-              <a:rPr lang="en-CA" smtClean="0"/>
-              <a:t>Maintaining network connection between clients and robots</a:t>
-            </a:r>
-          </a:p>
-          <a:p>
-            <a:pPr lvl="1"/>
-            <a:r>
-              <a:rPr lang="en-CA" smtClean="0"/>
-              <a:t>Encoding video to stream to mobile clients</a:t>
-            </a:r>
-          </a:p>
-          <a:p>
-            <a:pPr lvl="1"/>
-            <a:r>
-              <a:rPr lang="en-CA" smtClean="0"/>
-              <a:t>Lobby system and chat room</a:t>
-            </a:r>
-          </a:p>
-        </p:txBody>
-      </p:sp>
+              <a:t>Responsibilities of the Server</a:t>
+            </a:r>
+          </a:p>
+        </p:txBody>
+      </p:sp>
+      <p:pic>
+        <p:nvPicPr>
+          <p:cNvPr id="23558" name="Picture 6" descr="slide pic 4"/>
+          <p:cNvPicPr>
+            <a:picLocks noChangeAspect="1" noChangeArrowheads="1"/>
+          </p:cNvPicPr>
+          <p:nvPr/>
+        </p:nvPicPr>
+        <p:blipFill>
+          <a:blip r:embed="rId2"/>
+          <a:srcRect/>
+          <a:stretch>
+            <a:fillRect/>
+          </a:stretch>
+        </p:blipFill>
+        <p:spPr bwMode="auto">
+          <a:xfrm>
+            <a:off x="1981200" y="1828800"/>
+            <a:ext cx="6934200" cy="4576763"/>
+          </a:xfrm>
+          <a:prstGeom prst="rect">
+            <a:avLst/>
+          </a:prstGeom>
+          <a:noFill/>
+        </p:spPr>
+      </p:pic>
     </p:spTree>
   </p:cSld>
   <p:clrMapOvr>
@@ -5729,7 +5687,7 @@
       </p:grpSpPr>
       <p:sp>
         <p:nvSpPr>
-          <p:cNvPr id="20481" name="Rectangle 2"/>
+          <p:cNvPr id="24577" name="Rectangle 2"/>
           <p:cNvSpPr>
             <a:spLocks noGrp="1" noChangeArrowheads="1"/>
           </p:cNvSpPr>
@@ -5744,14 +5702,14 @@
           <a:p>
             <a:r>
               <a:rPr lang="en-CA" smtClean="0"/>
-              <a:t>The Server Model</a:t>
-            </a:r>
-          </a:p>
-        </p:txBody>
-      </p:sp>
-      <p:sp>
-        <p:nvSpPr>
-          <p:cNvPr id="20482" name="Rectangle 3"/>
+              <a:t>Structure of System</a:t>
+            </a:r>
+          </a:p>
+        </p:txBody>
+      </p:sp>
+      <p:sp>
+        <p:nvSpPr>
+          <p:cNvPr id="24578" name="Rectangle 3"/>
           <p:cNvSpPr>
             <a:spLocks noGrp="1" noChangeArrowheads="1"/>
           </p:cNvSpPr>
@@ -5766,19 +5724,25 @@
           <a:p>
             <a:r>
               <a:rPr lang="en-CA" smtClean="0"/>
-              <a:t>Stores the logical representation of the robots and their position and heading, and the game state.</a:t>
+              <a:t>Discrete modules with rigidly defined responsibilities.</a:t>
             </a:r>
           </a:p>
           <a:p>
             <a:r>
               <a:rPr lang="en-CA" smtClean="0"/>
-              <a:t>Uses the representation of the robots to interact with the virtual elements of the game.</a:t>
+              <a:t>Easy to test with unit testing (internal functionality only).</a:t>
             </a:r>
           </a:p>
           <a:p>
             <a:r>
               <a:rPr lang="en-CA" smtClean="0"/>
-              <a:t>Accepts incoming position updates and robot commands from the controller.</a:t>
+              <a:t>For functionality that depend on signals passed in from other modules, stubbing is required for ease of testing.</a:t>
+            </a:r>
+          </a:p>
+          <a:p>
+            <a:r>
+              <a:rPr lang="en-CA" smtClean="0"/>
+              <a:t>No unrelated functionality of stub is needed, only meant for injecting all possible signals for given module to process.</a:t>
             </a:r>
           </a:p>
         </p:txBody>
@@ -5810,54 +5774,89 @@
       </p:grpSpPr>
       <p:sp>
         <p:nvSpPr>
-          <p:cNvPr id="21505" name="Rectangle 2"/>
+          <p:cNvPr id="25601" name="Rectangle 2"/>
           <p:cNvSpPr>
             <a:spLocks noGrp="1" noChangeArrowheads="1"/>
           </p:cNvSpPr>
           <p:nvPr>
-            <p:ph type="title"/>
-          </p:nvPr>
-        </p:nvSpPr>
-        <p:spPr/>
+            <p:ph type="title" idx="4294967295"/>
+          </p:nvPr>
+        </p:nvSpPr>
+        <p:spPr>
+          <a:xfrm>
+            <a:off x="2286000" y="1143000"/>
+            <a:ext cx="6858000" cy="914400"/>
+          </a:xfrm>
+        </p:spPr>
         <p:txBody>
           <a:bodyPr/>
           <a:lstStyle/>
           <a:p>
             <a:r>
               <a:rPr lang="en-CA" smtClean="0"/>
-              <a:t>The Server Model</a:t>
-            </a:r>
-          </a:p>
-        </p:txBody>
-      </p:sp>
-      <p:sp>
-        <p:nvSpPr>
-          <p:cNvPr id="21506" name="Rectangle 3"/>
-          <p:cNvSpPr>
-            <a:spLocks noGrp="1" noChangeArrowheads="1"/>
-          </p:cNvSpPr>
-          <p:nvPr>
-            <p:ph type="body" idx="1"/>
-          </p:nvPr>
-        </p:nvSpPr>
-        <p:spPr/>
-        <p:txBody>
-          <a:bodyPr/>
-          <a:lstStyle/>
-          <a:p>
-            <a:r>
-              <a:rPr lang="en-CA" smtClean="0"/>
-              <a:t>Sends game state updates (bound for the client) and override commands (bound for the robot) all to the controller.</a:t>
-            </a:r>
-          </a:p>
-          <a:p>
-            <a:r>
-              <a:rPr lang="en-CA" smtClean="0"/>
-              <a:t>The entire game state is serialized and sent to the Android client, where the changes in the state (represented by 3D OpenGL graphics) are updated on the screen.</a:t>
-            </a:r>
-          </a:p>
-        </p:txBody>
-      </p:sp>
+              <a:t>Stubbing of System Modules</a:t>
+            </a:r>
+          </a:p>
+        </p:txBody>
+      </p:sp>
+      <p:pic>
+        <p:nvPicPr>
+          <p:cNvPr id="25602" name="Picture 4" descr="slidesPic2"/>
+          <p:cNvPicPr>
+            <a:picLocks noChangeAspect="1" noChangeArrowheads="1"/>
+          </p:cNvPicPr>
+          <p:nvPr/>
+        </p:nvPicPr>
+        <p:blipFill>
+          <a:blip r:embed="rId2"/>
+          <a:srcRect/>
+          <a:stretch>
+            <a:fillRect/>
+          </a:stretch>
+        </p:blipFill>
+        <p:spPr bwMode="auto">
+          <a:xfrm>
+            <a:off x="2209800" y="1905000"/>
+            <a:ext cx="6307138" cy="3514725"/>
+          </a:xfrm>
+          <a:prstGeom prst="rect">
+            <a:avLst/>
+          </a:prstGeom>
+          <a:noFill/>
+          <a:ln w="9525">
+            <a:noFill/>
+            <a:miter lim="800000"/>
+            <a:headEnd/>
+            <a:tailEnd/>
+          </a:ln>
+        </p:spPr>
+      </p:pic>
+      <p:pic>
+        <p:nvPicPr>
+          <p:cNvPr id="25604" name="Picture 4" descr="slidesPic2"/>
+          <p:cNvPicPr>
+            <a:picLocks noChangeAspect="1" noChangeArrowheads="1"/>
+          </p:cNvPicPr>
+          <p:nvPr/>
+        </p:nvPicPr>
+        <p:blipFill>
+          <a:blip r:embed="rId3"/>
+          <a:srcRect/>
+          <a:stretch>
+            <a:fillRect/>
+          </a:stretch>
+        </p:blipFill>
+        <p:spPr bwMode="auto">
+          <a:xfrm>
+            <a:off x="1905000" y="1681163"/>
+            <a:ext cx="7239000" cy="4033837"/>
+          </a:xfrm>
+          <a:prstGeom prst="rect">
+            <a:avLst/>
+          </a:prstGeom>
+          <a:noFill/>
+        </p:spPr>
+      </p:pic>
     </p:spTree>
   </p:cSld>
   <p:clrMapOvr>
@@ -5885,7 +5884,7 @@
       </p:grpSpPr>
       <p:sp>
         <p:nvSpPr>
-          <p:cNvPr id="23553" name="Rectangle 2"/>
+          <p:cNvPr id="26625" name="Rectangle 2"/>
           <p:cNvSpPr>
             <a:spLocks noGrp="1" noChangeArrowheads="1"/>
           </p:cNvSpPr>
@@ -5900,14 +5899,14 @@
           <a:p>
             <a:r>
               <a:rPr lang="en-CA" smtClean="0"/>
-              <a:t>Structure of System</a:t>
-            </a:r>
-          </a:p>
-        </p:txBody>
-      </p:sp>
-      <p:sp>
-        <p:nvSpPr>
-          <p:cNvPr id="23554" name="Rectangle 3"/>
+              <a:t>Stubbing of System Modules</a:t>
+            </a:r>
+          </a:p>
+        </p:txBody>
+      </p:sp>
+      <p:sp>
+        <p:nvSpPr>
+          <p:cNvPr id="26626" name="Rectangle 3"/>
           <p:cNvSpPr>
             <a:spLocks noGrp="1" noChangeArrowheads="1"/>
           </p:cNvSpPr>
@@ -5922,25 +5921,51 @@
           <a:p>
             <a:r>
               <a:rPr lang="en-CA" smtClean="0"/>
-              <a:t>Discrete modules with rigidly defined responsibilities.</a:t>
-            </a:r>
-          </a:p>
-          <a:p>
+              <a:t>The Model stub</a:t>
+            </a:r>
+          </a:p>
+          <a:p>
+            <a:pPr lvl="1"/>
             <a:r>
               <a:rPr lang="en-CA" smtClean="0"/>
-              <a:t>Easy to test with unit testing (internal functionality only).</a:t>
-            </a:r>
+              <a:t>A subclass of GameModel class, a game type with no virtual entities and no command restrictions.</a:t>
+            </a:r>
+          </a:p>
+          <a:p>
+            <a:pPr lvl="1"/>
+            <a:endParaRPr lang="en-CA" smtClean="0"/>
           </a:p>
           <a:p>
             <a:r>
               <a:rPr lang="en-CA" smtClean="0"/>
-              <a:t>For functionality that depend on signals passed in from other modules, stubbing is required for ease of testing.</a:t>
-            </a:r>
-          </a:p>
-          <a:p>
+              <a:t>The Robot Stub</a:t>
+            </a:r>
+          </a:p>
+          <a:p>
+            <a:pPr lvl="1"/>
             <a:r>
               <a:rPr lang="en-CA" smtClean="0"/>
-              <a:t>No unrelated functionality of stub is needed, only meant for injecting all possible signals for given module to process.</a:t>
+              <a:t>Fully functioning software representation of robot. Lejos navigator classes hooked up to simulated motors.</a:t>
+            </a:r>
+          </a:p>
+          <a:p>
+            <a:pPr lvl="1">
+              <a:buFontTx/>
+              <a:buNone/>
+            </a:pPr>
+            <a:endParaRPr lang="en-CA" smtClean="0"/>
+          </a:p>
+          <a:p>
+            <a:r>
+              <a:rPr lang="en-CA" smtClean="0"/>
+              <a:t>The Client Stub</a:t>
+            </a:r>
+          </a:p>
+          <a:p>
+            <a:pPr lvl="1"/>
+            <a:r>
+              <a:rPr lang="en-CA" smtClean="0"/>
+              <a:t>A simple client simulator controlled at console command line.</a:t>
             </a:r>
           </a:p>
         </p:txBody>
